--- a/population/script_layout.pptx
+++ b/population/script_layout.pptx
@@ -440,7 +440,7 @@
           <a:p>
             <a:fld id="{936CF24A-DDB5-43DE-9BDB-9E287B164851}" type="datetimeFigureOut">
               <a:rPr lang="en-US" smtClean="0"/>
-              <a:t>4/3/2025</a:t>
+              <a:t>4/8/2025</a:t>
             </a:fld>
             <a:endParaRPr lang="en-US"/>
           </a:p>
@@ -638,7 +638,7 @@
           <a:p>
             <a:fld id="{936CF24A-DDB5-43DE-9BDB-9E287B164851}" type="datetimeFigureOut">
               <a:rPr lang="en-US" smtClean="0"/>
-              <a:t>4/3/2025</a:t>
+              <a:t>4/8/2025</a:t>
             </a:fld>
             <a:endParaRPr lang="en-US"/>
           </a:p>
@@ -846,7 +846,7 @@
           <a:p>
             <a:fld id="{936CF24A-DDB5-43DE-9BDB-9E287B164851}" type="datetimeFigureOut">
               <a:rPr lang="en-US" smtClean="0"/>
-              <a:t>4/3/2025</a:t>
+              <a:t>4/8/2025</a:t>
             </a:fld>
             <a:endParaRPr lang="en-US"/>
           </a:p>
@@ -1044,7 +1044,7 @@
           <a:p>
             <a:fld id="{936CF24A-DDB5-43DE-9BDB-9E287B164851}" type="datetimeFigureOut">
               <a:rPr lang="en-US" smtClean="0"/>
-              <a:t>4/3/2025</a:t>
+              <a:t>4/8/2025</a:t>
             </a:fld>
             <a:endParaRPr lang="en-US"/>
           </a:p>
@@ -1319,7 +1319,7 @@
           <a:p>
             <a:fld id="{936CF24A-DDB5-43DE-9BDB-9E287B164851}" type="datetimeFigureOut">
               <a:rPr lang="en-US" smtClean="0"/>
-              <a:t>4/3/2025</a:t>
+              <a:t>4/8/2025</a:t>
             </a:fld>
             <a:endParaRPr lang="en-US"/>
           </a:p>
@@ -1584,7 +1584,7 @@
           <a:p>
             <a:fld id="{936CF24A-DDB5-43DE-9BDB-9E287B164851}" type="datetimeFigureOut">
               <a:rPr lang="en-US" smtClean="0"/>
-              <a:t>4/3/2025</a:t>
+              <a:t>4/8/2025</a:t>
             </a:fld>
             <a:endParaRPr lang="en-US"/>
           </a:p>
@@ -1996,7 +1996,7 @@
           <a:p>
             <a:fld id="{936CF24A-DDB5-43DE-9BDB-9E287B164851}" type="datetimeFigureOut">
               <a:rPr lang="en-US" smtClean="0"/>
-              <a:t>4/3/2025</a:t>
+              <a:t>4/8/2025</a:t>
             </a:fld>
             <a:endParaRPr lang="en-US"/>
           </a:p>
@@ -2137,7 +2137,7 @@
           <a:p>
             <a:fld id="{936CF24A-DDB5-43DE-9BDB-9E287B164851}" type="datetimeFigureOut">
               <a:rPr lang="en-US" smtClean="0"/>
-              <a:t>4/3/2025</a:t>
+              <a:t>4/8/2025</a:t>
             </a:fld>
             <a:endParaRPr lang="en-US"/>
           </a:p>
@@ -2250,7 +2250,7 @@
           <a:p>
             <a:fld id="{936CF24A-DDB5-43DE-9BDB-9E287B164851}" type="datetimeFigureOut">
               <a:rPr lang="en-US" smtClean="0"/>
-              <a:t>4/3/2025</a:t>
+              <a:t>4/8/2025</a:t>
             </a:fld>
             <a:endParaRPr lang="en-US"/>
           </a:p>
@@ -2561,7 +2561,7 @@
           <a:p>
             <a:fld id="{936CF24A-DDB5-43DE-9BDB-9E287B164851}" type="datetimeFigureOut">
               <a:rPr lang="en-US" smtClean="0"/>
-              <a:t>4/3/2025</a:t>
+              <a:t>4/8/2025</a:t>
             </a:fld>
             <a:endParaRPr lang="en-US"/>
           </a:p>
@@ -2849,7 +2849,7 @@
           <a:p>
             <a:fld id="{936CF24A-DDB5-43DE-9BDB-9E287B164851}" type="datetimeFigureOut">
               <a:rPr lang="en-US" smtClean="0"/>
-              <a:t>4/3/2025</a:t>
+              <a:t>4/8/2025</a:t>
             </a:fld>
             <a:endParaRPr lang="en-US"/>
           </a:p>
@@ -3090,7 +3090,7 @@
           <a:p>
             <a:fld id="{936CF24A-DDB5-43DE-9BDB-9E287B164851}" type="datetimeFigureOut">
               <a:rPr lang="en-US" smtClean="0"/>
-              <a:t>4/3/2025</a:t>
+              <a:t>4/8/2025</a:t>
             </a:fld>
             <a:endParaRPr lang="en-US"/>
           </a:p>
@@ -3661,7 +3661,7 @@
         </p:nvGrpSpPr>
         <p:grpSpPr>
           <a:xfrm>
-            <a:off x="4167307" y="2850777"/>
+            <a:off x="3098584" y="1662057"/>
             <a:ext cx="3857385" cy="578223"/>
             <a:chOff x="5311587" y="618565"/>
             <a:chExt cx="2171700" cy="470646"/>
@@ -3794,9 +3794,9 @@
           <p:nvPr/>
         </p:nvCxnSpPr>
         <p:spPr>
-          <a:xfrm>
-            <a:off x="5027279" y="934890"/>
-            <a:ext cx="1068721" cy="1915887"/>
+          <a:xfrm flipH="1">
+            <a:off x="5027277" y="934890"/>
+            <a:ext cx="2" cy="727167"/>
           </a:xfrm>
           <a:prstGeom prst="straightConnector1">
             <a:avLst/>
@@ -3834,7 +3834,7 @@
         </p:nvGrpSpPr>
         <p:grpSpPr>
           <a:xfrm>
-            <a:off x="8030463" y="4281610"/>
+            <a:off x="7628126" y="2095725"/>
             <a:ext cx="3857385" cy="578223"/>
             <a:chOff x="5311588" y="618565"/>
             <a:chExt cx="2171700" cy="470646"/>
@@ -3968,7 +3968,7 @@
         </p:nvGrpSpPr>
         <p:grpSpPr>
           <a:xfrm>
-            <a:off x="8030463" y="3506639"/>
+            <a:off x="7628126" y="1228390"/>
             <a:ext cx="3857387" cy="578223"/>
             <a:chOff x="5311587" y="618565"/>
             <a:chExt cx="2171701" cy="470646"/>
@@ -4132,7 +4132,7 @@
         </p:nvGrpSpPr>
         <p:grpSpPr>
           <a:xfrm>
-            <a:off x="2293035" y="3838413"/>
+            <a:off x="2997089" y="372837"/>
             <a:ext cx="6197822" cy="655862"/>
             <a:chOff x="1095085" y="-295883"/>
             <a:chExt cx="3489361" cy="533840"/>
@@ -4266,7 +4266,7 @@
         </p:nvGrpSpPr>
         <p:grpSpPr>
           <a:xfrm>
-            <a:off x="442467" y="2110554"/>
+            <a:off x="4036059" y="2686626"/>
             <a:ext cx="4401677" cy="581103"/>
             <a:chOff x="1095085" y="-295883"/>
             <a:chExt cx="2478135" cy="472990"/>
@@ -4408,7 +4408,7 @@
         </p:nvGrpSpPr>
         <p:grpSpPr>
           <a:xfrm>
-            <a:off x="2293035" y="4786265"/>
+            <a:off x="2997089" y="1320689"/>
             <a:ext cx="6197822" cy="655862"/>
             <a:chOff x="1095085" y="-295883"/>
             <a:chExt cx="3489361" cy="533840"/>
@@ -4522,8 +4522,21 @@
                     <a:schemeClr val="tx1"/>
                   </a:solidFill>
                 </a:rPr>
-                <a:t>acs_immigration_cohort_fractions_by_age_group_2006-2015</a:t>
+                <a:t>acs_immigration_cohort_</a:t>
               </a:r>
+              <a:r>
+                <a:rPr lang="en-US">
+                  <a:solidFill>
+                    <a:schemeClr val="tx1"/>
+                  </a:solidFill>
+                </a:rPr>
+                <a:t>fractions_2006-2015</a:t>
+              </a:r>
+              <a:endParaRPr lang="en-US" dirty="0">
+                <a:solidFill>
+                  <a:schemeClr val="tx1"/>
+                </a:solidFill>
+              </a:endParaRPr>
             </a:p>
           </p:txBody>
         </p:sp>
@@ -4546,7 +4559,7 @@
         </p:nvCxnSpPr>
         <p:spPr>
           <a:xfrm flipV="1">
-            <a:off x="5391945" y="4494275"/>
+            <a:off x="6095999" y="1028699"/>
             <a:ext cx="2" cy="291990"/>
           </a:xfrm>
           <a:prstGeom prst="straightConnector1">
@@ -4810,7 +4823,23 @@
                     <a:schemeClr val="tx1"/>
                   </a:solidFill>
                 </a:rPr>
-                <a:t>process_asmr_projected_v2.py</a:t>
+                <a:t>process</a:t>
+              </a:r>
+              <a:r>
+                <a:rPr lang="en-US">
+                  <a:solidFill>
+                    <a:schemeClr val="tx1"/>
+                  </a:solidFill>
+                </a:rPr>
+                <a:t>_asmig_</a:t>
+              </a:r>
+              <a:r>
+                <a:rPr lang="en-US" dirty="0">
+                  <a:solidFill>
+                    <a:schemeClr val="tx1"/>
+                  </a:solidFill>
+                </a:rPr>
+                <a:t>projected_v2.py</a:t>
               </a:r>
             </a:p>
           </p:txBody>

--- a/population/script_layout.pptx
+++ b/population/script_layout.pptx
@@ -5,9 +5,10 @@
     <p:sldMasterId id="2147483648" r:id="rId1"/>
   </p:sldMasterIdLst>
   <p:sldIdLst>
-    <p:sldId id="258" r:id="rId2"/>
-    <p:sldId id="257" r:id="rId3"/>
-    <p:sldId id="256" r:id="rId4"/>
+    <p:sldId id="260" r:id="rId2"/>
+    <p:sldId id="259" r:id="rId3"/>
+    <p:sldId id="257" r:id="rId4"/>
+    <p:sldId id="256" r:id="rId5"/>
   </p:sldIdLst>
   <p:sldSz cx="12192000" cy="6858000"/>
   <p:notesSz cx="6858000" cy="9144000"/>
@@ -117,180 +118,9 @@
 <file path=ppt/revisionInfo.xml><?xml version="1.0" encoding="utf-8"?>
 <p1510:revInfo xmlns:a="http://schemas.openxmlformats.org/drawingml/2006/main" xmlns:r="http://schemas.openxmlformats.org/officeDocument/2006/relationships" xmlns:p1510="http://schemas.microsoft.com/office/powerpoint/2015/10/main">
   <p1510:revLst>
-    <p1510:client id="{74E6C97F-B443-4105-A1B5-F5B94B54E891}" v="1" dt="2025-04-03T11:05:49.306"/>
+    <p1510:client id="{9763CF84-B5FC-4FD7-8D77-2472077DC7EB}" v="15" dt="2025-04-10T13:38:46.082"/>
   </p1510:revLst>
 </p1510:revInfo>
-</file>
-
-<file path=ppt/changesInfos/changesInfo1.xml><?xml version="1.0" encoding="utf-8"?>
-<pc:chgInfo xmlns:a="http://schemas.openxmlformats.org/drawingml/2006/main" xmlns:r="http://schemas.openxmlformats.org/officeDocument/2006/relationships" xmlns:ac="http://schemas.microsoft.com/office/drawing/2013/main/command" xmlns:pc="http://schemas.microsoft.com/office/powerpoint/2013/main/command">
-  <pc:docChgLst>
-    <pc:chgData name="Phil Morefield" userId="5a43f8f3820cb67c" providerId="LiveId" clId="{74E6C97F-B443-4105-A1B5-F5B94B54E891}"/>
-    <pc:docChg chg="custSel addSld modSld sldOrd">
-      <pc:chgData name="Phil Morefield" userId="5a43f8f3820cb67c" providerId="LiveId" clId="{74E6C97F-B443-4105-A1B5-F5B94B54E891}" dt="2025-04-03T11:07:01.346" v="19" actId="478"/>
-      <pc:docMkLst>
-        <pc:docMk/>
-      </pc:docMkLst>
-      <pc:sldChg chg="delSp modSp mod ord">
-        <pc:chgData name="Phil Morefield" userId="5a43f8f3820cb67c" providerId="LiveId" clId="{74E6C97F-B443-4105-A1B5-F5B94B54E891}" dt="2025-04-03T11:07:01.346" v="19" actId="478"/>
-        <pc:sldMkLst>
-          <pc:docMk/>
-          <pc:sldMk cId="863778225" sldId="256"/>
-        </pc:sldMkLst>
-        <pc:spChg chg="del topLvl">
-          <ac:chgData name="Phil Morefield" userId="5a43f8f3820cb67c" providerId="LiveId" clId="{74E6C97F-B443-4105-A1B5-F5B94B54E891}" dt="2025-04-03T11:06:52.307" v="14" actId="478"/>
-          <ac:spMkLst>
-            <pc:docMk/>
-            <pc:sldMk cId="863778225" sldId="256"/>
-            <ac:spMk id="4" creationId="{C4992DB3-079E-6F07-E07F-C61D86FC07E9}"/>
-          </ac:spMkLst>
-        </pc:spChg>
-        <pc:spChg chg="del topLvl">
-          <ac:chgData name="Phil Morefield" userId="5a43f8f3820cb67c" providerId="LiveId" clId="{74E6C97F-B443-4105-A1B5-F5B94B54E891}" dt="2025-04-03T11:06:55.297" v="16" actId="478"/>
-          <ac:spMkLst>
-            <pc:docMk/>
-            <pc:sldMk cId="863778225" sldId="256"/>
-            <ac:spMk id="5" creationId="{60D2601A-CC45-3754-8278-84994930F363}"/>
-          </ac:spMkLst>
-        </pc:spChg>
-        <pc:grpChg chg="del">
-          <ac:chgData name="Phil Morefield" userId="5a43f8f3820cb67c" providerId="LiveId" clId="{74E6C97F-B443-4105-A1B5-F5B94B54E891}" dt="2025-04-03T11:06:52.307" v="14" actId="478"/>
-          <ac:grpSpMkLst>
-            <pc:docMk/>
-            <pc:sldMk cId="863778225" sldId="256"/>
-            <ac:grpSpMk id="6" creationId="{061F2BC8-79B0-749B-D37C-3BFD661C8C31}"/>
-          </ac:grpSpMkLst>
-        </pc:grpChg>
-        <pc:grpChg chg="del">
-          <ac:chgData name="Phil Morefield" userId="5a43f8f3820cb67c" providerId="LiveId" clId="{74E6C97F-B443-4105-A1B5-F5B94B54E891}" dt="2025-04-03T11:06:59.808" v="18" actId="478"/>
-          <ac:grpSpMkLst>
-            <pc:docMk/>
-            <pc:sldMk cId="863778225" sldId="256"/>
-            <ac:grpSpMk id="12" creationId="{D3934392-9AE5-98BF-0670-FCFEB6ECE21A}"/>
-          </ac:grpSpMkLst>
-        </pc:grpChg>
-        <pc:grpChg chg="del">
-          <ac:chgData name="Phil Morefield" userId="5a43f8f3820cb67c" providerId="LiveId" clId="{74E6C97F-B443-4105-A1B5-F5B94B54E891}" dt="2025-04-03T11:06:58.202" v="17" actId="478"/>
-          <ac:grpSpMkLst>
-            <pc:docMk/>
-            <pc:sldMk cId="863778225" sldId="256"/>
-            <ac:grpSpMk id="15" creationId="{E0DF2793-1493-3FCE-5E4C-CA6ECBDE8DE1}"/>
-          </ac:grpSpMkLst>
-        </pc:grpChg>
-        <pc:grpChg chg="del">
-          <ac:chgData name="Phil Morefield" userId="5a43f8f3820cb67c" providerId="LiveId" clId="{74E6C97F-B443-4105-A1B5-F5B94B54E891}" dt="2025-04-03T11:07:01.346" v="19" actId="478"/>
-          <ac:grpSpMkLst>
-            <pc:docMk/>
-            <pc:sldMk cId="863778225" sldId="256"/>
-            <ac:grpSpMk id="18" creationId="{96788434-693A-BFF5-443E-7361E12A1365}"/>
-          </ac:grpSpMkLst>
-        </pc:grpChg>
-        <pc:cxnChg chg="del mod">
-          <ac:chgData name="Phil Morefield" userId="5a43f8f3820cb67c" providerId="LiveId" clId="{74E6C97F-B443-4105-A1B5-F5B94B54E891}" dt="2025-04-03T11:06:53.477" v="15" actId="478"/>
-          <ac:cxnSpMkLst>
-            <pc:docMk/>
-            <pc:sldMk cId="863778225" sldId="256"/>
-            <ac:cxnSpMk id="11" creationId="{F2CF6455-0992-97F1-B1EE-E45C46B8E130}"/>
-          </ac:cxnSpMkLst>
-        </pc:cxnChg>
-      </pc:sldChg>
-      <pc:sldChg chg="ord">
-        <pc:chgData name="Phil Morefield" userId="5a43f8f3820cb67c" providerId="LiveId" clId="{74E6C97F-B443-4105-A1B5-F5B94B54E891}" dt="2025-04-03T11:06:27.661" v="11"/>
-        <pc:sldMkLst>
-          <pc:docMk/>
-          <pc:sldMk cId="2078527769" sldId="257"/>
-        </pc:sldMkLst>
-      </pc:sldChg>
-      <pc:sldChg chg="delSp modSp add mod">
-        <pc:chgData name="Phil Morefield" userId="5a43f8f3820cb67c" providerId="LiveId" clId="{74E6C97F-B443-4105-A1B5-F5B94B54E891}" dt="2025-04-03T11:06:07.160" v="7" actId="478"/>
-        <pc:sldMkLst>
-          <pc:docMk/>
-          <pc:sldMk cId="2616424035" sldId="258"/>
-        </pc:sldMkLst>
-        <pc:spChg chg="del topLvl">
-          <ac:chgData name="Phil Morefield" userId="5a43f8f3820cb67c" providerId="LiveId" clId="{74E6C97F-B443-4105-A1B5-F5B94B54E891}" dt="2025-04-03T11:06:05.252" v="6" actId="478"/>
-          <ac:spMkLst>
-            <pc:docMk/>
-            <pc:sldMk cId="2616424035" sldId="258"/>
-            <ac:spMk id="19" creationId="{45BE1F5B-E3CB-0050-0A13-982F0D8DA511}"/>
-          </ac:spMkLst>
-        </pc:spChg>
-        <pc:spChg chg="del topLvl">
-          <ac:chgData name="Phil Morefield" userId="5a43f8f3820cb67c" providerId="LiveId" clId="{74E6C97F-B443-4105-A1B5-F5B94B54E891}" dt="2025-04-03T11:06:07.160" v="7" actId="478"/>
-          <ac:spMkLst>
-            <pc:docMk/>
-            <pc:sldMk cId="2616424035" sldId="258"/>
-            <ac:spMk id="20" creationId="{8282F9A2-29BB-C066-E535-BE62BAB86E13}"/>
-          </ac:spMkLst>
-        </pc:spChg>
-        <pc:spChg chg="del topLvl">
-          <ac:chgData name="Phil Morefield" userId="5a43f8f3820cb67c" providerId="LiveId" clId="{74E6C97F-B443-4105-A1B5-F5B94B54E891}" dt="2025-04-03T11:05:58.705" v="2" actId="478"/>
-          <ac:spMkLst>
-            <pc:docMk/>
-            <pc:sldMk cId="2616424035" sldId="258"/>
-            <ac:spMk id="22" creationId="{FEA293A0-FEC3-649C-1088-B0EDD6FA6ED4}"/>
-          </ac:spMkLst>
-        </pc:spChg>
-        <pc:spChg chg="del topLvl">
-          <ac:chgData name="Phil Morefield" userId="5a43f8f3820cb67c" providerId="LiveId" clId="{74E6C97F-B443-4105-A1B5-F5B94B54E891}" dt="2025-04-03T11:06:01.712" v="5" actId="478"/>
-          <ac:spMkLst>
-            <pc:docMk/>
-            <pc:sldMk cId="2616424035" sldId="258"/>
-            <ac:spMk id="23" creationId="{1D812081-1C81-CA2F-CA2C-3A405CCD7722}"/>
-          </ac:spMkLst>
-        </pc:spChg>
-        <pc:spChg chg="del topLvl">
-          <ac:chgData name="Phil Morefield" userId="5a43f8f3820cb67c" providerId="LiveId" clId="{74E6C97F-B443-4105-A1B5-F5B94B54E891}" dt="2025-04-03T11:05:56.813" v="1" actId="478"/>
-          <ac:spMkLst>
-            <pc:docMk/>
-            <pc:sldMk cId="2616424035" sldId="258"/>
-            <ac:spMk id="29" creationId="{E94CD7F5-6A74-8864-9DDE-3F3CA94810EF}"/>
-          </ac:spMkLst>
-        </pc:spChg>
-        <pc:spChg chg="del topLvl">
-          <ac:chgData name="Phil Morefield" userId="5a43f8f3820cb67c" providerId="LiveId" clId="{74E6C97F-B443-4105-A1B5-F5B94B54E891}" dt="2025-04-03T11:06:00.764" v="4" actId="478"/>
-          <ac:spMkLst>
-            <pc:docMk/>
-            <pc:sldMk cId="2616424035" sldId="258"/>
-            <ac:spMk id="30" creationId="{F362F2D1-822A-0316-07C3-6E8EBD8A8AA9}"/>
-          </ac:spMkLst>
-        </pc:spChg>
-        <pc:grpChg chg="del">
-          <ac:chgData name="Phil Morefield" userId="5a43f8f3820cb67c" providerId="LiveId" clId="{74E6C97F-B443-4105-A1B5-F5B94B54E891}" dt="2025-04-03T11:06:05.252" v="6" actId="478"/>
-          <ac:grpSpMkLst>
-            <pc:docMk/>
-            <pc:sldMk cId="2616424035" sldId="258"/>
-            <ac:grpSpMk id="18" creationId="{5F09B8B6-24FD-5FFD-2860-7E5FEFC02B0A}"/>
-          </ac:grpSpMkLst>
-        </pc:grpChg>
-        <pc:grpChg chg="del">
-          <ac:chgData name="Phil Morefield" userId="5a43f8f3820cb67c" providerId="LiveId" clId="{74E6C97F-B443-4105-A1B5-F5B94B54E891}" dt="2025-04-03T11:05:58.705" v="2" actId="478"/>
-          <ac:grpSpMkLst>
-            <pc:docMk/>
-            <pc:sldMk cId="2616424035" sldId="258"/>
-            <ac:grpSpMk id="21" creationId="{65F7E4A8-7E06-722A-D703-73480C998014}"/>
-          </ac:grpSpMkLst>
-        </pc:grpChg>
-        <pc:grpChg chg="del">
-          <ac:chgData name="Phil Morefield" userId="5a43f8f3820cb67c" providerId="LiveId" clId="{74E6C97F-B443-4105-A1B5-F5B94B54E891}" dt="2025-04-03T11:05:56.813" v="1" actId="478"/>
-          <ac:grpSpMkLst>
-            <pc:docMk/>
-            <pc:sldMk cId="2616424035" sldId="258"/>
-            <ac:grpSpMk id="28" creationId="{FB112A1D-391A-A500-BA0B-9B34AC39A366}"/>
-          </ac:grpSpMkLst>
-        </pc:grpChg>
-        <pc:cxnChg chg="del mod">
-          <ac:chgData name="Phil Morefield" userId="5a43f8f3820cb67c" providerId="LiveId" clId="{74E6C97F-B443-4105-A1B5-F5B94B54E891}" dt="2025-04-03T11:05:59.946" v="3" actId="478"/>
-          <ac:cxnSpMkLst>
-            <pc:docMk/>
-            <pc:sldMk cId="2616424035" sldId="258"/>
-            <ac:cxnSpMk id="24" creationId="{8FCC8FE8-CD12-6996-B2C3-B503272EFD5A}"/>
-          </ac:cxnSpMkLst>
-        </pc:cxnChg>
-      </pc:sldChg>
-    </pc:docChg>
-  </pc:docChgLst>
-</pc:chgInfo>
 </file>
 
 <file path=ppt/slideLayouts/slideLayout1.xml><?xml version="1.0" encoding="utf-8"?>
@@ -440,7 +270,7 @@
           <a:p>
             <a:fld id="{936CF24A-DDB5-43DE-9BDB-9E287B164851}" type="datetimeFigureOut">
               <a:rPr lang="en-US" smtClean="0"/>
-              <a:t>4/8/2025</a:t>
+              <a:t>4/10/2025</a:t>
             </a:fld>
             <a:endParaRPr lang="en-US"/>
           </a:p>
@@ -638,7 +468,7 @@
           <a:p>
             <a:fld id="{936CF24A-DDB5-43DE-9BDB-9E287B164851}" type="datetimeFigureOut">
               <a:rPr lang="en-US" smtClean="0"/>
-              <a:t>4/8/2025</a:t>
+              <a:t>4/10/2025</a:t>
             </a:fld>
             <a:endParaRPr lang="en-US"/>
           </a:p>
@@ -846,7 +676,7 @@
           <a:p>
             <a:fld id="{936CF24A-DDB5-43DE-9BDB-9E287B164851}" type="datetimeFigureOut">
               <a:rPr lang="en-US" smtClean="0"/>
-              <a:t>4/8/2025</a:t>
+              <a:t>4/10/2025</a:t>
             </a:fld>
             <a:endParaRPr lang="en-US"/>
           </a:p>
@@ -1044,7 +874,7 @@
           <a:p>
             <a:fld id="{936CF24A-DDB5-43DE-9BDB-9E287B164851}" type="datetimeFigureOut">
               <a:rPr lang="en-US" smtClean="0"/>
-              <a:t>4/8/2025</a:t>
+              <a:t>4/10/2025</a:t>
             </a:fld>
             <a:endParaRPr lang="en-US"/>
           </a:p>
@@ -1319,7 +1149,7 @@
           <a:p>
             <a:fld id="{936CF24A-DDB5-43DE-9BDB-9E287B164851}" type="datetimeFigureOut">
               <a:rPr lang="en-US" smtClean="0"/>
-              <a:t>4/8/2025</a:t>
+              <a:t>4/10/2025</a:t>
             </a:fld>
             <a:endParaRPr lang="en-US"/>
           </a:p>
@@ -1584,7 +1414,7 @@
           <a:p>
             <a:fld id="{936CF24A-DDB5-43DE-9BDB-9E287B164851}" type="datetimeFigureOut">
               <a:rPr lang="en-US" smtClean="0"/>
-              <a:t>4/8/2025</a:t>
+              <a:t>4/10/2025</a:t>
             </a:fld>
             <a:endParaRPr lang="en-US"/>
           </a:p>
@@ -1996,7 +1826,7 @@
           <a:p>
             <a:fld id="{936CF24A-DDB5-43DE-9BDB-9E287B164851}" type="datetimeFigureOut">
               <a:rPr lang="en-US" smtClean="0"/>
-              <a:t>4/8/2025</a:t>
+              <a:t>4/10/2025</a:t>
             </a:fld>
             <a:endParaRPr lang="en-US"/>
           </a:p>
@@ -2137,7 +1967,7 @@
           <a:p>
             <a:fld id="{936CF24A-DDB5-43DE-9BDB-9E287B164851}" type="datetimeFigureOut">
               <a:rPr lang="en-US" smtClean="0"/>
-              <a:t>4/8/2025</a:t>
+              <a:t>4/10/2025</a:t>
             </a:fld>
             <a:endParaRPr lang="en-US"/>
           </a:p>
@@ -2250,7 +2080,7 @@
           <a:p>
             <a:fld id="{936CF24A-DDB5-43DE-9BDB-9E287B164851}" type="datetimeFigureOut">
               <a:rPr lang="en-US" smtClean="0"/>
-              <a:t>4/8/2025</a:t>
+              <a:t>4/10/2025</a:t>
             </a:fld>
             <a:endParaRPr lang="en-US"/>
           </a:p>
@@ -2561,7 +2391,7 @@
           <a:p>
             <a:fld id="{936CF24A-DDB5-43DE-9BDB-9E287B164851}" type="datetimeFigureOut">
               <a:rPr lang="en-US" smtClean="0"/>
-              <a:t>4/8/2025</a:t>
+              <a:t>4/10/2025</a:t>
             </a:fld>
             <a:endParaRPr lang="en-US"/>
           </a:p>
@@ -2849,7 +2679,7 @@
           <a:p>
             <a:fld id="{936CF24A-DDB5-43DE-9BDB-9E287B164851}" type="datetimeFigureOut">
               <a:rPr lang="en-US" smtClean="0"/>
-              <a:t>4/8/2025</a:t>
+              <a:t>4/10/2025</a:t>
             </a:fld>
             <a:endParaRPr lang="en-US"/>
           </a:p>
@@ -3090,7 +2920,7 @@
           <a:p>
             <a:fld id="{936CF24A-DDB5-43DE-9BDB-9E287B164851}" type="datetimeFigureOut">
               <a:rPr lang="en-US" smtClean="0"/>
-              <a:t>4/8/2025</a:t>
+              <a:t>4/10/2025</a:t>
             </a:fld>
             <a:endParaRPr lang="en-US"/>
           </a:p>
@@ -3495,13 +3325,7 @@
   <p:cSld>
     <p:spTree>
       <p:nvGrpSpPr>
-        <p:cNvPr id="1" name="">
-          <a:extLst>
-            <a:ext uri="{FF2B5EF4-FFF2-40B4-BE49-F238E27FC236}">
-              <a16:creationId xmlns:a16="http://schemas.microsoft.com/office/drawing/2014/main" id="{E959F087-D128-72DE-21D6-C9DD9CC18706}"/>
-            </a:ext>
-          </a:extLst>
-        </p:cNvPr>
+        <p:cNvPr id="1" name=""/>
         <p:cNvGrpSpPr/>
         <p:nvPr/>
       </p:nvGrpSpPr>
@@ -3513,12 +3337,148 @@
           <a:chExt cx="0" cy="0"/>
         </a:xfrm>
       </p:grpSpPr>
+      <p:sp>
+        <p:nvSpPr>
+          <p:cNvPr id="8" name="Rectangle 7">
+            <a:extLst>
+              <a:ext uri="{FF2B5EF4-FFF2-40B4-BE49-F238E27FC236}">
+                <a16:creationId xmlns:a16="http://schemas.microsoft.com/office/drawing/2014/main" id="{4B0ADD57-C0D7-2B4A-1377-C9BE9C0ADBAC}"/>
+              </a:ext>
+            </a:extLst>
+          </p:cNvPr>
+          <p:cNvSpPr/>
+          <p:nvPr/>
+        </p:nvSpPr>
+        <p:spPr>
+          <a:xfrm>
+            <a:off x="4066723" y="3139888"/>
+            <a:ext cx="3857385" cy="289112"/>
+          </a:xfrm>
+          <a:prstGeom prst="rect">
+            <a:avLst/>
+          </a:prstGeom>
+          <a:solidFill>
+            <a:schemeClr val="tx1"/>
+          </a:solidFill>
+        </p:spPr>
+        <p:style>
+          <a:lnRef idx="2">
+            <a:schemeClr val="accent1">
+              <a:shade val="15000"/>
+            </a:schemeClr>
+          </a:lnRef>
+          <a:fillRef idx="1">
+            <a:schemeClr val="accent1"/>
+          </a:fillRef>
+          <a:effectRef idx="0">
+            <a:schemeClr val="accent1"/>
+          </a:effectRef>
+          <a:fontRef idx="minor">
+            <a:schemeClr val="lt1"/>
+          </a:fontRef>
+        </p:style>
+        <p:txBody>
+          <a:bodyPr rtlCol="0" anchor="ctr"/>
+          <a:lstStyle/>
+          <a:p>
+            <a:pPr algn="ctr"/>
+            <a:r>
+              <a:rPr lang="en-US" dirty="0">
+                <a:solidFill>
+                  <a:schemeClr val="bg1"/>
+                </a:solidFill>
+              </a:rPr>
+              <a:t>iclus_Wittgenstein_v3.py</a:t>
+            </a:r>
+          </a:p>
+        </p:txBody>
+      </p:sp>
+      <p:sp>
+        <p:nvSpPr>
+          <p:cNvPr id="2" name="Oval 1">
+            <a:extLst>
+              <a:ext uri="{FF2B5EF4-FFF2-40B4-BE49-F238E27FC236}">
+                <a16:creationId xmlns:a16="http://schemas.microsoft.com/office/drawing/2014/main" id="{FFEA1513-E664-2C43-6F90-7C68BE20025D}"/>
+              </a:ext>
+            </a:extLst>
+          </p:cNvPr>
+          <p:cNvSpPr/>
+          <p:nvPr/>
+        </p:nvSpPr>
+        <p:spPr>
+          <a:xfrm>
+            <a:off x="109728" y="107314"/>
+            <a:ext cx="2103120" cy="863111"/>
+          </a:xfrm>
+          <a:prstGeom prst="ellipse">
+            <a:avLst/>
+          </a:prstGeom>
+          <a:gradFill flip="none" rotWithShape="1">
+            <a:gsLst>
+              <a:gs pos="0">
+                <a:schemeClr val="accent5">
+                  <a:lumMod val="67000"/>
+                </a:schemeClr>
+              </a:gs>
+              <a:gs pos="48000">
+                <a:schemeClr val="accent5">
+                  <a:lumMod val="97000"/>
+                  <a:lumOff val="3000"/>
+                </a:schemeClr>
+              </a:gs>
+              <a:gs pos="100000">
+                <a:schemeClr val="accent5">
+                  <a:lumMod val="60000"/>
+                  <a:lumOff val="40000"/>
+                </a:schemeClr>
+              </a:gs>
+            </a:gsLst>
+            <a:lin ang="16200000" scaled="1"/>
+            <a:tileRect/>
+          </a:gradFill>
+          <a:ln>
+            <a:noFill/>
+          </a:ln>
+        </p:spPr>
+        <p:style>
+          <a:lnRef idx="0">
+            <a:scrgbClr r="0" g="0" b="0"/>
+          </a:lnRef>
+          <a:fillRef idx="0">
+            <a:scrgbClr r="0" g="0" b="0"/>
+          </a:fillRef>
+          <a:effectRef idx="0">
+            <a:scrgbClr r="0" g="0" b="0"/>
+          </a:effectRef>
+          <a:fontRef idx="minor">
+            <a:schemeClr val="lt1"/>
+          </a:fontRef>
+        </p:style>
+        <p:txBody>
+          <a:bodyPr rtlCol="0" anchor="ctr"/>
+          <a:lstStyle/>
+          <a:p>
+            <a:pPr algn="ctr"/>
+            <a:r>
+              <a:rPr lang="en-US"/>
+              <a:t>Launch</a:t>
+            </a:r>
+            <a:br>
+              <a:rPr lang="en-US"/>
+            </a:br>
+            <a:r>
+              <a:rPr lang="en-US"/>
+              <a:t>Population</a:t>
+            </a:r>
+          </a:p>
+        </p:txBody>
+      </p:sp>
       <p:grpSp>
         <p:nvGrpSpPr>
-          <p:cNvPr id="6" name="Group 5">
-            <a:extLst>
-              <a:ext uri="{FF2B5EF4-FFF2-40B4-BE49-F238E27FC236}">
-                <a16:creationId xmlns:a16="http://schemas.microsoft.com/office/drawing/2014/main" id="{4A190794-5F74-44DB-641F-D4C90B245653}"/>
+          <p:cNvPr id="3" name="Group 2">
+            <a:extLst>
+              <a:ext uri="{FF2B5EF4-FFF2-40B4-BE49-F238E27FC236}">
+                <a16:creationId xmlns:a16="http://schemas.microsoft.com/office/drawing/2014/main" id="{3B099CF6-E009-1350-20FA-0AC89302E08E}"/>
               </a:ext>
             </a:extLst>
           </p:cNvPr>
@@ -3527,10 +3487,10 @@
         </p:nvGrpSpPr>
         <p:grpSpPr>
           <a:xfrm>
-            <a:off x="3098584" y="356666"/>
-            <a:ext cx="3857387" cy="578223"/>
-            <a:chOff x="5311587" y="618565"/>
-            <a:chExt cx="2171701" cy="470646"/>
+            <a:off x="4066723" y="1830549"/>
+            <a:ext cx="3857385" cy="578223"/>
+            <a:chOff x="5311588" y="618565"/>
+            <a:chExt cx="2171700" cy="470646"/>
           </a:xfrm>
         </p:grpSpPr>
         <p:sp>
@@ -3538,314 +3498,7 @@
             <p:cNvPr id="4" name="Rectangle 3">
               <a:extLst>
                 <a:ext uri="{FF2B5EF4-FFF2-40B4-BE49-F238E27FC236}">
-                  <a16:creationId xmlns:a16="http://schemas.microsoft.com/office/drawing/2014/main" id="{CBD549B5-A00F-2BCB-80FF-28F989BF4E12}"/>
-                </a:ext>
-              </a:extLst>
-            </p:cNvPr>
-            <p:cNvSpPr/>
-            <p:nvPr/>
-          </p:nvSpPr>
-          <p:spPr>
-            <a:xfrm>
-              <a:off x="5311587" y="618565"/>
-              <a:ext cx="2171700" cy="235323"/>
-            </a:xfrm>
-            <a:prstGeom prst="rect">
-              <a:avLst/>
-            </a:prstGeom>
-            <a:solidFill>
-              <a:schemeClr val="accent5">
-                <a:lumMod val="20000"/>
-                <a:lumOff val="80000"/>
-              </a:schemeClr>
-            </a:solidFill>
-          </p:spPr>
-          <p:style>
-            <a:lnRef idx="2">
-              <a:schemeClr val="accent1">
-                <a:shade val="15000"/>
-              </a:schemeClr>
-            </a:lnRef>
-            <a:fillRef idx="1">
-              <a:schemeClr val="accent1"/>
-            </a:fillRef>
-            <a:effectRef idx="0">
-              <a:schemeClr val="accent1"/>
-            </a:effectRef>
-            <a:fontRef idx="minor">
-              <a:schemeClr val="lt1"/>
-            </a:fontRef>
-          </p:style>
-          <p:txBody>
-            <a:bodyPr rtlCol="0" anchor="ctr"/>
-            <a:lstStyle/>
-            <a:p>
-              <a:pPr algn="ctr"/>
-              <a:r>
-                <a:rPr lang="en-US" dirty="0">
-                  <a:solidFill>
-                    <a:schemeClr val="tx1"/>
-                  </a:solidFill>
-                </a:rPr>
-                <a:t>process_ageracesex_2020.py</a:t>
-              </a:r>
-            </a:p>
-          </p:txBody>
-        </p:sp>
-        <p:sp>
-          <p:nvSpPr>
-            <p:cNvPr id="5" name="Rectangle 4">
-              <a:extLst>
-                <a:ext uri="{FF2B5EF4-FFF2-40B4-BE49-F238E27FC236}">
-                  <a16:creationId xmlns:a16="http://schemas.microsoft.com/office/drawing/2014/main" id="{FD6EC7AD-88CC-5B79-80A2-5EE161BC6754}"/>
-                </a:ext>
-              </a:extLst>
-            </p:cNvPr>
-            <p:cNvSpPr/>
-            <p:nvPr/>
-          </p:nvSpPr>
-          <p:spPr>
-            <a:xfrm>
-              <a:off x="5311588" y="853888"/>
-              <a:ext cx="2171700" cy="235323"/>
-            </a:xfrm>
-            <a:prstGeom prst="rect">
-              <a:avLst/>
-            </a:prstGeom>
-            <a:noFill/>
-          </p:spPr>
-          <p:style>
-            <a:lnRef idx="2">
-              <a:schemeClr val="accent1">
-                <a:shade val="15000"/>
-              </a:schemeClr>
-            </a:lnRef>
-            <a:fillRef idx="1">
-              <a:schemeClr val="accent1"/>
-            </a:fillRef>
-            <a:effectRef idx="0">
-              <a:schemeClr val="accent1"/>
-            </a:effectRef>
-            <a:fontRef idx="minor">
-              <a:schemeClr val="lt1"/>
-            </a:fontRef>
-          </p:style>
-          <p:txBody>
-            <a:bodyPr rtlCol="0" anchor="ctr"/>
-            <a:lstStyle/>
-            <a:p>
-              <a:pPr algn="ctr"/>
-              <a:r>
-                <a:rPr lang="en-US" dirty="0">
-                  <a:solidFill>
-                    <a:schemeClr val="tx1"/>
-                  </a:solidFill>
-                </a:rPr>
-                <a:t>county_population_ageracesex2020</a:t>
-              </a:r>
-            </a:p>
-          </p:txBody>
-        </p:sp>
-      </p:grpSp>
-      <p:grpSp>
-        <p:nvGrpSpPr>
-          <p:cNvPr id="7" name="Group 6">
-            <a:extLst>
-              <a:ext uri="{FF2B5EF4-FFF2-40B4-BE49-F238E27FC236}">
-                <a16:creationId xmlns:a16="http://schemas.microsoft.com/office/drawing/2014/main" id="{3B9132A3-DE93-611C-1E46-AECFA69B3F5D}"/>
-              </a:ext>
-            </a:extLst>
-          </p:cNvPr>
-          <p:cNvGrpSpPr/>
-          <p:nvPr/>
-        </p:nvGrpSpPr>
-        <p:grpSpPr>
-          <a:xfrm>
-            <a:off x="3098584" y="1662057"/>
-            <a:ext cx="3857385" cy="578223"/>
-            <a:chOff x="5311587" y="618565"/>
-            <a:chExt cx="2171700" cy="470646"/>
-          </a:xfrm>
-        </p:grpSpPr>
-        <p:sp>
-          <p:nvSpPr>
-            <p:cNvPr id="8" name="Rectangle 7">
-              <a:extLst>
-                <a:ext uri="{FF2B5EF4-FFF2-40B4-BE49-F238E27FC236}">
-                  <a16:creationId xmlns:a16="http://schemas.microsoft.com/office/drawing/2014/main" id="{16F7428F-C80F-8538-4DD9-4E1BD7965325}"/>
-                </a:ext>
-              </a:extLst>
-            </p:cNvPr>
-            <p:cNvSpPr/>
-            <p:nvPr/>
-          </p:nvSpPr>
-          <p:spPr>
-            <a:xfrm>
-              <a:off x="5311587" y="618565"/>
-              <a:ext cx="2171700" cy="235323"/>
-            </a:xfrm>
-            <a:prstGeom prst="rect">
-              <a:avLst/>
-            </a:prstGeom>
-            <a:solidFill>
-              <a:schemeClr val="accent2">
-                <a:lumMod val="60000"/>
-                <a:lumOff val="40000"/>
-              </a:schemeClr>
-            </a:solidFill>
-          </p:spPr>
-          <p:style>
-            <a:lnRef idx="2">
-              <a:schemeClr val="accent1">
-                <a:shade val="15000"/>
-              </a:schemeClr>
-            </a:lnRef>
-            <a:fillRef idx="1">
-              <a:schemeClr val="accent1"/>
-            </a:fillRef>
-            <a:effectRef idx="0">
-              <a:schemeClr val="accent1"/>
-            </a:effectRef>
-            <a:fontRef idx="minor">
-              <a:schemeClr val="lt1"/>
-            </a:fontRef>
-          </p:style>
-          <p:txBody>
-            <a:bodyPr rtlCol="0" anchor="ctr"/>
-            <a:lstStyle/>
-            <a:p>
-              <a:pPr algn="ctr"/>
-              <a:r>
-                <a:rPr lang="en-US" dirty="0">
-                  <a:solidFill>
-                    <a:schemeClr val="tx1"/>
-                  </a:solidFill>
-                </a:rPr>
-                <a:t>iclus_Wittgenstein_v3.py</a:t>
-              </a:r>
-            </a:p>
-          </p:txBody>
-        </p:sp>
-        <p:sp>
-          <p:nvSpPr>
-            <p:cNvPr id="9" name="Rectangle 8">
-              <a:extLst>
-                <a:ext uri="{FF2B5EF4-FFF2-40B4-BE49-F238E27FC236}">
-                  <a16:creationId xmlns:a16="http://schemas.microsoft.com/office/drawing/2014/main" id="{662E38EB-71B6-264A-968B-2216A2C0D328}"/>
-                </a:ext>
-              </a:extLst>
-            </p:cNvPr>
-            <p:cNvSpPr/>
-            <p:nvPr/>
-          </p:nvSpPr>
-          <p:spPr>
-            <a:xfrm>
-              <a:off x="5311587" y="853888"/>
-              <a:ext cx="2171700" cy="235323"/>
-            </a:xfrm>
-            <a:prstGeom prst="rect">
-              <a:avLst/>
-            </a:prstGeom>
-            <a:noFill/>
-          </p:spPr>
-          <p:style>
-            <a:lnRef idx="2">
-              <a:schemeClr val="accent1">
-                <a:shade val="15000"/>
-              </a:schemeClr>
-            </a:lnRef>
-            <a:fillRef idx="1">
-              <a:schemeClr val="accent1"/>
-            </a:fillRef>
-            <a:effectRef idx="0">
-              <a:schemeClr val="accent1"/>
-            </a:effectRef>
-            <a:fontRef idx="minor">
-              <a:schemeClr val="lt1"/>
-            </a:fontRef>
-          </p:style>
-          <p:txBody>
-            <a:bodyPr rtlCol="0" anchor="ctr"/>
-            <a:lstStyle/>
-            <a:p>
-              <a:pPr algn="ctr"/>
-              <a:endParaRPr lang="en-US" dirty="0">
-                <a:solidFill>
-                  <a:schemeClr val="tx1"/>
-                </a:solidFill>
-              </a:endParaRPr>
-            </a:p>
-          </p:txBody>
-        </p:sp>
-      </p:grpSp>
-      <p:cxnSp>
-        <p:nvCxnSpPr>
-          <p:cNvPr id="11" name="Straight Arrow Connector 10">
-            <a:extLst>
-              <a:ext uri="{FF2B5EF4-FFF2-40B4-BE49-F238E27FC236}">
-                <a16:creationId xmlns:a16="http://schemas.microsoft.com/office/drawing/2014/main" id="{4D3E1D30-70E1-1AD4-98F0-1258EC006CE9}"/>
-              </a:ext>
-            </a:extLst>
-          </p:cNvPr>
-          <p:cNvCxnSpPr>
-            <a:stCxn id="5" idx="2"/>
-            <a:endCxn id="8" idx="0"/>
-          </p:cNvCxnSpPr>
-          <p:nvPr/>
-        </p:nvCxnSpPr>
-        <p:spPr>
-          <a:xfrm flipH="1">
-            <a:off x="5027277" y="934890"/>
-            <a:ext cx="2" cy="727167"/>
-          </a:xfrm>
-          <a:prstGeom prst="straightConnector1">
-            <a:avLst/>
-          </a:prstGeom>
-          <a:ln>
-            <a:tailEnd type="triangle" w="lg" len="lg"/>
-          </a:ln>
-        </p:spPr>
-        <p:style>
-          <a:lnRef idx="2">
-            <a:schemeClr val="accent1"/>
-          </a:lnRef>
-          <a:fillRef idx="0">
-            <a:schemeClr val="accent1"/>
-          </a:fillRef>
-          <a:effectRef idx="1">
-            <a:schemeClr val="accent1"/>
-          </a:effectRef>
-          <a:fontRef idx="minor">
-            <a:schemeClr val="tx1"/>
-          </a:fontRef>
-        </p:style>
-      </p:cxnSp>
-      <p:grpSp>
-        <p:nvGrpSpPr>
-          <p:cNvPr id="12" name="Group 11">
-            <a:extLst>
-              <a:ext uri="{FF2B5EF4-FFF2-40B4-BE49-F238E27FC236}">
-                <a16:creationId xmlns:a16="http://schemas.microsoft.com/office/drawing/2014/main" id="{F5738269-F038-6AE2-F809-D0A19B5DD448}"/>
-              </a:ext>
-            </a:extLst>
-          </p:cNvPr>
-          <p:cNvGrpSpPr/>
-          <p:nvPr/>
-        </p:nvGrpSpPr>
-        <p:grpSpPr>
-          <a:xfrm>
-            <a:off x="7628126" y="2095725"/>
-            <a:ext cx="3857385" cy="578223"/>
-            <a:chOff x="5311588" y="618565"/>
-            <a:chExt cx="2171700" cy="470646"/>
-          </a:xfrm>
-        </p:grpSpPr>
-        <p:sp>
-          <p:nvSpPr>
-            <p:cNvPr id="13" name="Rectangle 12">
-              <a:extLst>
-                <a:ext uri="{FF2B5EF4-FFF2-40B4-BE49-F238E27FC236}">
-                  <a16:creationId xmlns:a16="http://schemas.microsoft.com/office/drawing/2014/main" id="{29041BB7-9F5C-F0DB-B429-62E17344E9EF}"/>
+                  <a16:creationId xmlns:a16="http://schemas.microsoft.com/office/drawing/2014/main" id="{7D824F0C-41EB-1B73-E561-9CE534913A2D}"/>
                 </a:ext>
               </a:extLst>
             </p:cNvPr>
@@ -3889,26 +3542,544 @@
             <a:p>
               <a:pPr algn="ctr"/>
               <a:r>
+                <a:rPr lang="en-US">
+                  <a:solidFill>
+                    <a:schemeClr val="tx1"/>
+                  </a:solidFill>
+                </a:rPr>
+                <a:t>process_ageracesex_2020.py</a:t>
+              </a:r>
+              <a:endParaRPr lang="en-US" dirty="0">
+                <a:solidFill>
+                  <a:schemeClr val="tx1"/>
+                </a:solidFill>
+              </a:endParaRPr>
+            </a:p>
+          </p:txBody>
+        </p:sp>
+        <p:sp>
+          <p:nvSpPr>
+            <p:cNvPr id="5" name="Rectangle 4">
+              <a:extLst>
+                <a:ext uri="{FF2B5EF4-FFF2-40B4-BE49-F238E27FC236}">
+                  <a16:creationId xmlns:a16="http://schemas.microsoft.com/office/drawing/2014/main" id="{AD64E0E3-4BDC-1193-BD14-1E64C5C02F7A}"/>
+                </a:ext>
+              </a:extLst>
+            </p:cNvPr>
+            <p:cNvSpPr/>
+            <p:nvPr/>
+          </p:nvSpPr>
+          <p:spPr>
+            <a:xfrm>
+              <a:off x="5311588" y="853888"/>
+              <a:ext cx="2171700" cy="235323"/>
+            </a:xfrm>
+            <a:prstGeom prst="rect">
+              <a:avLst/>
+            </a:prstGeom>
+            <a:noFill/>
+          </p:spPr>
+          <p:style>
+            <a:lnRef idx="2">
+              <a:schemeClr val="accent1">
+                <a:shade val="15000"/>
+              </a:schemeClr>
+            </a:lnRef>
+            <a:fillRef idx="1">
+              <a:schemeClr val="accent1"/>
+            </a:fillRef>
+            <a:effectRef idx="0">
+              <a:schemeClr val="accent1"/>
+            </a:effectRef>
+            <a:fontRef idx="minor">
+              <a:schemeClr val="lt1"/>
+            </a:fontRef>
+          </p:style>
+          <p:txBody>
+            <a:bodyPr rtlCol="0" anchor="ctr"/>
+            <a:lstStyle/>
+            <a:p>
+              <a:pPr algn="ctr"/>
+              <a:r>
+                <a:rPr lang="en-US">
+                  <a:solidFill>
+                    <a:schemeClr val="tx1"/>
+                  </a:solidFill>
+                </a:rPr>
+                <a:t>county_population_ageracesex2020</a:t>
+              </a:r>
+              <a:endParaRPr lang="en-US" dirty="0">
+                <a:solidFill>
+                  <a:schemeClr val="tx1"/>
+                </a:solidFill>
+              </a:endParaRPr>
+            </a:p>
+          </p:txBody>
+        </p:sp>
+      </p:grpSp>
+      <p:cxnSp>
+        <p:nvCxnSpPr>
+          <p:cNvPr id="15" name="Straight Arrow Connector 14">
+            <a:extLst>
+              <a:ext uri="{FF2B5EF4-FFF2-40B4-BE49-F238E27FC236}">
+                <a16:creationId xmlns:a16="http://schemas.microsoft.com/office/drawing/2014/main" id="{5B7D16D8-2E86-5D44-5D49-DF33244E430C}"/>
+              </a:ext>
+            </a:extLst>
+          </p:cNvPr>
+          <p:cNvCxnSpPr>
+            <a:cxnSpLocks/>
+            <a:stCxn id="5" idx="2"/>
+            <a:endCxn id="8" idx="0"/>
+          </p:cNvCxnSpPr>
+          <p:nvPr/>
+        </p:nvCxnSpPr>
+        <p:spPr>
+          <a:xfrm>
+            <a:off x="5995416" y="2408773"/>
+            <a:ext cx="0" cy="731115"/>
+          </a:xfrm>
+          <a:prstGeom prst="straightConnector1">
+            <a:avLst/>
+          </a:prstGeom>
+          <a:ln>
+            <a:tailEnd type="triangle" w="lg" len="lg"/>
+          </a:ln>
+        </p:spPr>
+        <p:style>
+          <a:lnRef idx="2">
+            <a:schemeClr val="accent1"/>
+          </a:lnRef>
+          <a:fillRef idx="0">
+            <a:schemeClr val="accent1"/>
+          </a:fillRef>
+          <a:effectRef idx="1">
+            <a:schemeClr val="accent1"/>
+          </a:effectRef>
+          <a:fontRef idx="minor">
+            <a:schemeClr val="tx1"/>
+          </a:fontRef>
+        </p:style>
+      </p:cxnSp>
+    </p:spTree>
+    <p:extLst>
+      <p:ext uri="{BB962C8B-B14F-4D97-AF65-F5344CB8AC3E}">
+        <p14:creationId xmlns:p14="http://schemas.microsoft.com/office/powerpoint/2010/main" val="1210494193"/>
+      </p:ext>
+    </p:extLst>
+  </p:cSld>
+  <p:clrMapOvr>
+    <a:masterClrMapping/>
+  </p:clrMapOvr>
+</p:sld>
+</file>
+
+<file path=ppt/slides/slide2.xml><?xml version="1.0" encoding="utf-8"?>
+<p:sld xmlns:a="http://schemas.openxmlformats.org/drawingml/2006/main" xmlns:r="http://schemas.openxmlformats.org/officeDocument/2006/relationships" xmlns:p="http://schemas.openxmlformats.org/presentationml/2006/main">
+  <p:cSld>
+    <p:spTree>
+      <p:nvGrpSpPr>
+        <p:cNvPr id="1" name=""/>
+        <p:cNvGrpSpPr/>
+        <p:nvPr/>
+      </p:nvGrpSpPr>
+      <p:grpSpPr>
+        <a:xfrm>
+          <a:off x="0" y="0"/>
+          <a:ext cx="0" cy="0"/>
+          <a:chOff x="0" y="0"/>
+          <a:chExt cx="0" cy="0"/>
+        </a:xfrm>
+      </p:grpSpPr>
+      <p:sp>
+        <p:nvSpPr>
+          <p:cNvPr id="8" name="Rectangle 7">
+            <a:extLst>
+              <a:ext uri="{FF2B5EF4-FFF2-40B4-BE49-F238E27FC236}">
+                <a16:creationId xmlns:a16="http://schemas.microsoft.com/office/drawing/2014/main" id="{4B0ADD57-C0D7-2B4A-1377-C9BE9C0ADBAC}"/>
+              </a:ext>
+            </a:extLst>
+          </p:cNvPr>
+          <p:cNvSpPr/>
+          <p:nvPr/>
+        </p:nvSpPr>
+        <p:spPr>
+          <a:xfrm>
+            <a:off x="4066723" y="3139888"/>
+            <a:ext cx="3857385" cy="289112"/>
+          </a:xfrm>
+          <a:prstGeom prst="rect">
+            <a:avLst/>
+          </a:prstGeom>
+          <a:solidFill>
+            <a:schemeClr val="tx1"/>
+          </a:solidFill>
+        </p:spPr>
+        <p:style>
+          <a:lnRef idx="2">
+            <a:schemeClr val="accent1">
+              <a:shade val="15000"/>
+            </a:schemeClr>
+          </a:lnRef>
+          <a:fillRef idx="1">
+            <a:schemeClr val="accent1"/>
+          </a:fillRef>
+          <a:effectRef idx="0">
+            <a:schemeClr val="accent1"/>
+          </a:effectRef>
+          <a:fontRef idx="minor">
+            <a:schemeClr val="lt1"/>
+          </a:fontRef>
+        </p:style>
+        <p:txBody>
+          <a:bodyPr rtlCol="0" anchor="ctr"/>
+          <a:lstStyle/>
+          <a:p>
+            <a:pPr algn="ctr"/>
+            <a:r>
+              <a:rPr lang="en-US" dirty="0">
+                <a:solidFill>
+                  <a:schemeClr val="bg1"/>
+                </a:solidFill>
+              </a:rPr>
+              <a:t>iclus_Wittgenstein_v3.py</a:t>
+            </a:r>
+          </a:p>
+        </p:txBody>
+      </p:sp>
+      <p:sp>
+        <p:nvSpPr>
+          <p:cNvPr id="2" name="Oval 1">
+            <a:extLst>
+              <a:ext uri="{FF2B5EF4-FFF2-40B4-BE49-F238E27FC236}">
+                <a16:creationId xmlns:a16="http://schemas.microsoft.com/office/drawing/2014/main" id="{FFEA1513-E664-2C43-6F90-7C68BE20025D}"/>
+              </a:ext>
+            </a:extLst>
+          </p:cNvPr>
+          <p:cNvSpPr/>
+          <p:nvPr/>
+        </p:nvSpPr>
+        <p:spPr>
+          <a:xfrm>
+            <a:off x="109728" y="107314"/>
+            <a:ext cx="2103120" cy="863111"/>
+          </a:xfrm>
+          <a:prstGeom prst="ellipse">
+            <a:avLst/>
+          </a:prstGeom>
+          <a:gradFill flip="none" rotWithShape="1">
+            <a:gsLst>
+              <a:gs pos="0">
+                <a:schemeClr val="accent5">
+                  <a:lumMod val="67000"/>
+                </a:schemeClr>
+              </a:gs>
+              <a:gs pos="48000">
+                <a:schemeClr val="accent5">
+                  <a:lumMod val="97000"/>
+                  <a:lumOff val="3000"/>
+                </a:schemeClr>
+              </a:gs>
+              <a:gs pos="100000">
+                <a:schemeClr val="accent5">
+                  <a:lumMod val="60000"/>
+                  <a:lumOff val="40000"/>
+                </a:schemeClr>
+              </a:gs>
+            </a:gsLst>
+            <a:lin ang="16200000" scaled="1"/>
+            <a:tileRect/>
+          </a:gradFill>
+          <a:ln>
+            <a:noFill/>
+          </a:ln>
+        </p:spPr>
+        <p:style>
+          <a:lnRef idx="0">
+            <a:scrgbClr r="0" g="0" b="0"/>
+          </a:lnRef>
+          <a:fillRef idx="0">
+            <a:scrgbClr r="0" g="0" b="0"/>
+          </a:fillRef>
+          <a:effectRef idx="0">
+            <a:scrgbClr r="0" g="0" b="0"/>
+          </a:effectRef>
+          <a:fontRef idx="minor">
+            <a:schemeClr val="lt1"/>
+          </a:fontRef>
+        </p:style>
+        <p:txBody>
+          <a:bodyPr rtlCol="0" anchor="ctr"/>
+          <a:lstStyle/>
+          <a:p>
+            <a:pPr algn="ctr"/>
+            <a:r>
+              <a:rPr lang="en-US"/>
+              <a:t>Mortality</a:t>
+            </a:r>
+          </a:p>
+        </p:txBody>
+      </p:sp>
+      <p:grpSp>
+        <p:nvGrpSpPr>
+          <p:cNvPr id="3" name="Group 2">
+            <a:extLst>
+              <a:ext uri="{FF2B5EF4-FFF2-40B4-BE49-F238E27FC236}">
+                <a16:creationId xmlns:a16="http://schemas.microsoft.com/office/drawing/2014/main" id="{3B099CF6-E009-1350-20FA-0AC89302E08E}"/>
+              </a:ext>
+            </a:extLst>
+          </p:cNvPr>
+          <p:cNvGrpSpPr/>
+          <p:nvPr/>
+        </p:nvGrpSpPr>
+        <p:grpSpPr>
+          <a:xfrm>
+            <a:off x="4066723" y="1830549"/>
+            <a:ext cx="3857385" cy="578223"/>
+            <a:chOff x="5311588" y="618565"/>
+            <a:chExt cx="2171700" cy="470646"/>
+          </a:xfrm>
+        </p:grpSpPr>
+        <p:sp>
+          <p:nvSpPr>
+            <p:cNvPr id="4" name="Rectangle 3">
+              <a:extLst>
+                <a:ext uri="{FF2B5EF4-FFF2-40B4-BE49-F238E27FC236}">
+                  <a16:creationId xmlns:a16="http://schemas.microsoft.com/office/drawing/2014/main" id="{7D824F0C-41EB-1B73-E561-9CE534913A2D}"/>
+                </a:ext>
+              </a:extLst>
+            </p:cNvPr>
+            <p:cNvSpPr/>
+            <p:nvPr/>
+          </p:nvSpPr>
+          <p:spPr>
+            <a:xfrm>
+              <a:off x="5311588" y="618565"/>
+              <a:ext cx="2171700" cy="235323"/>
+            </a:xfrm>
+            <a:prstGeom prst="rect">
+              <a:avLst/>
+            </a:prstGeom>
+            <a:solidFill>
+              <a:schemeClr val="accent5">
+                <a:lumMod val="20000"/>
+                <a:lumOff val="80000"/>
+              </a:schemeClr>
+            </a:solidFill>
+          </p:spPr>
+          <p:style>
+            <a:lnRef idx="2">
+              <a:schemeClr val="accent1">
+                <a:shade val="15000"/>
+              </a:schemeClr>
+            </a:lnRef>
+            <a:fillRef idx="1">
+              <a:schemeClr val="accent1"/>
+            </a:fillRef>
+            <a:effectRef idx="0">
+              <a:schemeClr val="accent1"/>
+            </a:effectRef>
+            <a:fontRef idx="minor">
+              <a:schemeClr val="lt1"/>
+            </a:fontRef>
+          </p:style>
+          <p:txBody>
+            <a:bodyPr rtlCol="0" anchor="ctr"/>
+            <a:lstStyle/>
+            <a:p>
+              <a:pPr algn="ctr"/>
+              <a:r>
+                <a:rPr lang="en-US">
+                  <a:solidFill>
+                    <a:schemeClr val="tx1"/>
+                  </a:solidFill>
+                </a:rPr>
+                <a:t>process_mortality.</a:t>
+              </a:r>
+              <a:r>
                 <a:rPr lang="en-US" dirty="0">
                   <a:solidFill>
                     <a:schemeClr val="tx1"/>
                   </a:solidFill>
                 </a:rPr>
-                <a:t>process_fertility_2018_2022.py</a:t>
+                <a:t>py</a:t>
               </a:r>
             </a:p>
           </p:txBody>
         </p:sp>
         <p:sp>
           <p:nvSpPr>
-            <p:cNvPr id="14" name="Rectangle 13">
+            <p:cNvPr id="5" name="Rectangle 4">
               <a:extLst>
                 <a:ext uri="{FF2B5EF4-FFF2-40B4-BE49-F238E27FC236}">
-                  <a16:creationId xmlns:a16="http://schemas.microsoft.com/office/drawing/2014/main" id="{A75B2096-3787-8B5B-FAF5-9F93D34C0482}"/>
+                  <a16:creationId xmlns:a16="http://schemas.microsoft.com/office/drawing/2014/main" id="{AD64E0E3-4BDC-1193-BD14-1E64C5C02F7A}"/>
                 </a:ext>
               </a:extLst>
             </p:cNvPr>
             <p:cNvSpPr/>
+            <p:nvPr/>
+          </p:nvSpPr>
+          <p:spPr>
+            <a:xfrm>
+              <a:off x="5311588" y="853888"/>
+              <a:ext cx="2171700" cy="235323"/>
+            </a:xfrm>
+            <a:prstGeom prst="rect">
+              <a:avLst/>
+            </a:prstGeom>
+            <a:noFill/>
+          </p:spPr>
+          <p:style>
+            <a:lnRef idx="2">
+              <a:schemeClr val="accent1">
+                <a:shade val="15000"/>
+              </a:schemeClr>
+            </a:lnRef>
+            <a:fillRef idx="1">
+              <a:schemeClr val="accent1"/>
+            </a:fillRef>
+            <a:effectRef idx="0">
+              <a:schemeClr val="accent1"/>
+            </a:effectRef>
+            <a:fontRef idx="minor">
+              <a:schemeClr val="lt1"/>
+            </a:fontRef>
+          </p:style>
+          <p:txBody>
+            <a:bodyPr rtlCol="0" anchor="ctr"/>
+            <a:lstStyle/>
+            <a:p>
+              <a:pPr algn="ctr"/>
+              <a:r>
+                <a:rPr lang="en-US">
+                  <a:solidFill>
+                    <a:schemeClr val="tx1"/>
+                  </a:solidFill>
+                </a:rPr>
+                <a:t>mortality_</a:t>
+              </a:r>
+              <a:r>
+                <a:rPr lang="en-US" dirty="0">
+                  <a:solidFill>
+                    <a:schemeClr val="tx1"/>
+                  </a:solidFill>
+                </a:rPr>
+                <a:t>2018_2022_county</a:t>
+              </a:r>
+            </a:p>
+          </p:txBody>
+        </p:sp>
+      </p:grpSp>
+      <p:grpSp>
+        <p:nvGrpSpPr>
+          <p:cNvPr id="6" name="Group 5">
+            <a:extLst>
+              <a:ext uri="{FF2B5EF4-FFF2-40B4-BE49-F238E27FC236}">
+                <a16:creationId xmlns:a16="http://schemas.microsoft.com/office/drawing/2014/main" id="{07D348DC-78B1-5C61-F307-8CB0EEBFA016}"/>
+              </a:ext>
+            </a:extLst>
+          </p:cNvPr>
+          <p:cNvGrpSpPr>
+            <a:grpSpLocks/>
+          </p:cNvGrpSpPr>
+          <p:nvPr/>
+        </p:nvGrpSpPr>
+        <p:grpSpPr>
+          <a:xfrm>
+            <a:off x="4066723" y="4160115"/>
+            <a:ext cx="3857387" cy="578223"/>
+            <a:chOff x="5311587" y="618565"/>
+            <a:chExt cx="2171701" cy="470646"/>
+          </a:xfrm>
+        </p:grpSpPr>
+        <p:sp>
+          <p:nvSpPr>
+            <p:cNvPr id="10" name="Rectangle 9">
+              <a:extLst>
+                <a:ext uri="{FF2B5EF4-FFF2-40B4-BE49-F238E27FC236}">
+                  <a16:creationId xmlns:a16="http://schemas.microsoft.com/office/drawing/2014/main" id="{303221D5-4064-1181-3C27-69ABE9782164}"/>
+                </a:ext>
+              </a:extLst>
+            </p:cNvPr>
+            <p:cNvSpPr>
+              <a:spLocks/>
+            </p:cNvSpPr>
+            <p:nvPr/>
+          </p:nvSpPr>
+          <p:spPr>
+            <a:xfrm>
+              <a:off x="5311587" y="618565"/>
+              <a:ext cx="2171700" cy="235323"/>
+            </a:xfrm>
+            <a:prstGeom prst="rect">
+              <a:avLst/>
+            </a:prstGeom>
+            <a:solidFill>
+              <a:schemeClr val="accent3">
+                <a:lumMod val="20000"/>
+                <a:lumOff val="80000"/>
+              </a:schemeClr>
+            </a:solidFill>
+          </p:spPr>
+          <p:style>
+            <a:lnRef idx="2">
+              <a:schemeClr val="accent1">
+                <a:shade val="15000"/>
+              </a:schemeClr>
+            </a:lnRef>
+            <a:fillRef idx="1">
+              <a:schemeClr val="accent1"/>
+            </a:fillRef>
+            <a:effectRef idx="0">
+              <a:schemeClr val="accent1"/>
+            </a:effectRef>
+            <a:fontRef idx="minor">
+              <a:schemeClr val="lt1"/>
+            </a:fontRef>
+          </p:style>
+          <p:txBody>
+            <a:bodyPr rtlCol="0" anchor="ctr"/>
+            <a:lstStyle/>
+            <a:p>
+              <a:pPr algn="ctr"/>
+              <a:r>
+                <a:rPr lang="en-US" dirty="0">
+                  <a:solidFill>
+                    <a:schemeClr val="tx1"/>
+                  </a:solidFill>
+                </a:rPr>
+                <a:t>process</a:t>
+              </a:r>
+              <a:r>
+                <a:rPr lang="en-US">
+                  <a:solidFill>
+                    <a:schemeClr val="tx1"/>
+                  </a:solidFill>
+                </a:rPr>
+                <a:t>_asmr_</a:t>
+              </a:r>
+              <a:r>
+                <a:rPr lang="en-US" dirty="0">
+                  <a:solidFill>
+                    <a:schemeClr val="tx1"/>
+                  </a:solidFill>
+                </a:rPr>
+                <a:t>projected_v3.py</a:t>
+              </a:r>
+            </a:p>
+          </p:txBody>
+        </p:sp>
+        <p:sp>
+          <p:nvSpPr>
+            <p:cNvPr id="11" name="Rectangle 10">
+              <a:extLst>
+                <a:ext uri="{FF2B5EF4-FFF2-40B4-BE49-F238E27FC236}">
+                  <a16:creationId xmlns:a16="http://schemas.microsoft.com/office/drawing/2014/main" id="{12E44C31-D302-A709-1D36-BDBCF43AFE1C}"/>
+                </a:ext>
+              </a:extLst>
+            </p:cNvPr>
+            <p:cNvSpPr>
+              <a:spLocks/>
+            </p:cNvSpPr>
             <p:nvPr/>
           </p:nvSpPr>
           <p:spPr>
@@ -3948,150 +4119,118 @@
                     <a:schemeClr val="tx1"/>
                   </a:solidFill>
                 </a:rPr>
-                <a:t>fertility_2018_2022_county</a:t>
+                <a:t>age_</a:t>
               </a:r>
-            </a:p>
-          </p:txBody>
-        </p:sp>
-      </p:grpSp>
-      <p:grpSp>
-        <p:nvGrpSpPr>
-          <p:cNvPr id="15" name="Group 14">
-            <a:extLst>
-              <a:ext uri="{FF2B5EF4-FFF2-40B4-BE49-F238E27FC236}">
-                <a16:creationId xmlns:a16="http://schemas.microsoft.com/office/drawing/2014/main" id="{3D82782E-404D-6C4E-8C8B-C902F4B0615F}"/>
-              </a:ext>
-            </a:extLst>
-          </p:cNvPr>
-          <p:cNvGrpSpPr/>
-          <p:nvPr/>
-        </p:nvGrpSpPr>
-        <p:grpSpPr>
-          <a:xfrm>
-            <a:off x="7628126" y="1228390"/>
-            <a:ext cx="3857387" cy="578223"/>
-            <a:chOff x="5311587" y="618565"/>
-            <a:chExt cx="2171701" cy="470646"/>
-          </a:xfrm>
-        </p:grpSpPr>
-        <p:sp>
-          <p:nvSpPr>
-            <p:cNvPr id="16" name="Rectangle 15">
-              <a:extLst>
-                <a:ext uri="{FF2B5EF4-FFF2-40B4-BE49-F238E27FC236}">
-                  <a16:creationId xmlns:a16="http://schemas.microsoft.com/office/drawing/2014/main" id="{A82A8455-1907-DE42-25ED-BB13F2E5CCA6}"/>
-                </a:ext>
-              </a:extLst>
-            </p:cNvPr>
-            <p:cNvSpPr/>
-            <p:nvPr/>
-          </p:nvSpPr>
-          <p:spPr>
-            <a:xfrm>
-              <a:off x="5311587" y="618565"/>
-              <a:ext cx="2171700" cy="235323"/>
-            </a:xfrm>
-            <a:prstGeom prst="rect">
-              <a:avLst/>
-            </a:prstGeom>
-            <a:solidFill>
-              <a:schemeClr val="accent5">
-                <a:lumMod val="20000"/>
-                <a:lumOff val="80000"/>
-              </a:schemeClr>
-            </a:solidFill>
-          </p:spPr>
-          <p:style>
-            <a:lnRef idx="2">
-              <a:schemeClr val="accent1">
-                <a:shade val="15000"/>
-              </a:schemeClr>
-            </a:lnRef>
-            <a:fillRef idx="1">
-              <a:schemeClr val="accent1"/>
-            </a:fillRef>
-            <a:effectRef idx="0">
-              <a:schemeClr val="accent1"/>
-            </a:effectRef>
-            <a:fontRef idx="minor">
-              <a:schemeClr val="lt1"/>
-            </a:fontRef>
-          </p:style>
-          <p:txBody>
-            <a:bodyPr rtlCol="0" anchor="ctr"/>
-            <a:lstStyle/>
-            <a:p>
-              <a:pPr algn="ctr"/>
+              <a:r>
+                <a:rPr lang="en-US">
+                  <a:solidFill>
+                    <a:schemeClr val="tx1"/>
+                  </a:solidFill>
+                </a:rPr>
+                <a:t>specific_mortality_</a:t>
+              </a:r>
               <a:r>
                 <a:rPr lang="en-US" dirty="0">
                   <a:solidFill>
                     <a:schemeClr val="tx1"/>
                   </a:solidFill>
                 </a:rPr>
-                <a:t>process_mortality_2018_2022.py</a:t>
-              </a:r>
-            </a:p>
-          </p:txBody>
-        </p:sp>
-        <p:sp>
-          <p:nvSpPr>
-            <p:cNvPr id="17" name="Rectangle 16">
-              <a:extLst>
-                <a:ext uri="{FF2B5EF4-FFF2-40B4-BE49-F238E27FC236}">
-                  <a16:creationId xmlns:a16="http://schemas.microsoft.com/office/drawing/2014/main" id="{0E5D6088-4CCA-4FCF-E643-72D8B57FDFFC}"/>
-                </a:ext>
-              </a:extLst>
-            </p:cNvPr>
-            <p:cNvSpPr/>
-            <p:nvPr/>
-          </p:nvSpPr>
-          <p:spPr>
-            <a:xfrm>
-              <a:off x="5311588" y="853888"/>
-              <a:ext cx="2171700" cy="235323"/>
-            </a:xfrm>
-            <a:prstGeom prst="rect">
-              <a:avLst/>
-            </a:prstGeom>
-            <a:noFill/>
-          </p:spPr>
-          <p:style>
-            <a:lnRef idx="2">
-              <a:schemeClr val="accent1">
-                <a:shade val="15000"/>
-              </a:schemeClr>
-            </a:lnRef>
-            <a:fillRef idx="1">
-              <a:schemeClr val="accent1"/>
-            </a:fillRef>
-            <a:effectRef idx="0">
-              <a:schemeClr val="accent1"/>
-            </a:effectRef>
-            <a:fontRef idx="minor">
-              <a:schemeClr val="lt1"/>
-            </a:fontRef>
-          </p:style>
-          <p:txBody>
-            <a:bodyPr rtlCol="0" anchor="ctr"/>
-            <a:lstStyle/>
-            <a:p>
-              <a:pPr algn="ctr"/>
-              <a:r>
-                <a:rPr lang="en-US" dirty="0">
-                  <a:solidFill>
-                    <a:schemeClr val="tx1"/>
-                  </a:solidFill>
-                </a:rPr>
-                <a:t>mortality_2018_2022_county</a:t>
+                <a:t>v3</a:t>
               </a:r>
             </a:p>
           </p:txBody>
         </p:sp>
       </p:grpSp>
+      <p:cxnSp>
+        <p:nvCxnSpPr>
+          <p:cNvPr id="12" name="Straight Arrow Connector 11">
+            <a:extLst>
+              <a:ext uri="{FF2B5EF4-FFF2-40B4-BE49-F238E27FC236}">
+                <a16:creationId xmlns:a16="http://schemas.microsoft.com/office/drawing/2014/main" id="{1AAE7F49-1365-0FE6-21C4-F3AD7B26E8E9}"/>
+              </a:ext>
+            </a:extLst>
+          </p:cNvPr>
+          <p:cNvCxnSpPr>
+            <a:cxnSpLocks/>
+            <a:stCxn id="10" idx="0"/>
+            <a:endCxn id="8" idx="2"/>
+          </p:cNvCxnSpPr>
+          <p:nvPr/>
+        </p:nvCxnSpPr>
+        <p:spPr>
+          <a:xfrm flipV="1">
+            <a:off x="5995416" y="3429000"/>
+            <a:ext cx="0" cy="731115"/>
+          </a:xfrm>
+          <a:prstGeom prst="straightConnector1">
+            <a:avLst/>
+          </a:prstGeom>
+          <a:ln>
+            <a:tailEnd type="triangle" w="lg" len="lg"/>
+          </a:ln>
+        </p:spPr>
+        <p:style>
+          <a:lnRef idx="2">
+            <a:schemeClr val="accent1"/>
+          </a:lnRef>
+          <a:fillRef idx="0">
+            <a:schemeClr val="accent1"/>
+          </a:fillRef>
+          <a:effectRef idx="1">
+            <a:schemeClr val="accent1"/>
+          </a:effectRef>
+          <a:fontRef idx="minor">
+            <a:schemeClr val="tx1"/>
+          </a:fontRef>
+        </p:style>
+      </p:cxnSp>
+      <p:cxnSp>
+        <p:nvCxnSpPr>
+          <p:cNvPr id="15" name="Straight Arrow Connector 14">
+            <a:extLst>
+              <a:ext uri="{FF2B5EF4-FFF2-40B4-BE49-F238E27FC236}">
+                <a16:creationId xmlns:a16="http://schemas.microsoft.com/office/drawing/2014/main" id="{5B7D16D8-2E86-5D44-5D49-DF33244E430C}"/>
+              </a:ext>
+            </a:extLst>
+          </p:cNvPr>
+          <p:cNvCxnSpPr>
+            <a:cxnSpLocks/>
+            <a:stCxn id="5" idx="2"/>
+            <a:endCxn id="8" idx="0"/>
+          </p:cNvCxnSpPr>
+          <p:nvPr/>
+        </p:nvCxnSpPr>
+        <p:spPr>
+          <a:xfrm>
+            <a:off x="5995416" y="2408773"/>
+            <a:ext cx="0" cy="731115"/>
+          </a:xfrm>
+          <a:prstGeom prst="straightConnector1">
+            <a:avLst/>
+          </a:prstGeom>
+          <a:ln>
+            <a:tailEnd type="triangle" w="lg" len="lg"/>
+          </a:ln>
+        </p:spPr>
+        <p:style>
+          <a:lnRef idx="2">
+            <a:schemeClr val="accent1"/>
+          </a:lnRef>
+          <a:fillRef idx="0">
+            <a:schemeClr val="accent1"/>
+          </a:fillRef>
+          <a:effectRef idx="1">
+            <a:schemeClr val="accent1"/>
+          </a:effectRef>
+          <a:fontRef idx="minor">
+            <a:schemeClr val="tx1"/>
+          </a:fontRef>
+        </p:style>
+      </p:cxnSp>
     </p:spTree>
     <p:extLst>
       <p:ext uri="{BB962C8B-B14F-4D97-AF65-F5344CB8AC3E}">
-        <p14:creationId xmlns:p14="http://schemas.microsoft.com/office/powerpoint/2010/main" val="2616424035"/>
+        <p14:creationId xmlns:p14="http://schemas.microsoft.com/office/powerpoint/2010/main" val="3229817540"/>
       </p:ext>
     </p:extLst>
   </p:cSld>
@@ -4101,7 +4240,7 @@
 </p:sld>
 </file>
 
-<file path=ppt/slides/slide2.xml><?xml version="1.0" encoding="utf-8"?>
+<file path=ppt/slides/slide3.xml><?xml version="1.0" encoding="utf-8"?>
 <p:sld xmlns:a="http://schemas.openxmlformats.org/drawingml/2006/main" xmlns:r="http://schemas.openxmlformats.org/officeDocument/2006/relationships" xmlns:p="http://schemas.openxmlformats.org/presentationml/2006/main">
   <p:cSld>
     <p:spTree>
@@ -4132,7 +4271,7 @@
         </p:nvGrpSpPr>
         <p:grpSpPr>
           <a:xfrm>
-            <a:off x="2997089" y="372837"/>
+            <a:off x="395029" y="2470579"/>
             <a:ext cx="6197822" cy="655862"/>
             <a:chOff x="1095085" y="-295883"/>
             <a:chExt cx="3489361" cy="533840"/>
@@ -4159,7 +4298,7 @@
               <a:avLst/>
             </a:prstGeom>
             <a:solidFill>
-              <a:schemeClr val="accent5">
+              <a:schemeClr val="accent1">
                 <a:lumMod val="20000"/>
                 <a:lumOff val="80000"/>
               </a:schemeClr>
@@ -4266,7 +4405,7 @@
         </p:nvGrpSpPr>
         <p:grpSpPr>
           <a:xfrm>
-            <a:off x="4036059" y="2686626"/>
+            <a:off x="7122513" y="3595649"/>
             <a:ext cx="4401677" cy="581103"/>
             <a:chOff x="1095085" y="-295883"/>
             <a:chExt cx="2478135" cy="472990"/>
@@ -4293,9 +4432,9 @@
               <a:avLst/>
             </a:prstGeom>
             <a:solidFill>
-              <a:schemeClr val="accent5">
-                <a:lumMod val="20000"/>
-                <a:lumOff val="80000"/>
+              <a:schemeClr val="accent2">
+                <a:lumMod val="40000"/>
+                <a:lumOff val="60000"/>
               </a:schemeClr>
             </a:solidFill>
           </p:spPr>
@@ -4408,7 +4547,7 @@
         </p:nvGrpSpPr>
         <p:grpSpPr>
           <a:xfrm>
-            <a:off x="2997089" y="1320689"/>
+            <a:off x="395029" y="1349186"/>
             <a:ext cx="6197822" cy="655862"/>
             <a:chOff x="1095085" y="-295883"/>
             <a:chExt cx="3489361" cy="533840"/>
@@ -4435,7 +4574,7 @@
               <a:avLst/>
             </a:prstGeom>
             <a:solidFill>
-              <a:schemeClr val="accent5">
+              <a:schemeClr val="accent1">
                 <a:lumMod val="20000"/>
                 <a:lumOff val="80000"/>
               </a:schemeClr>
@@ -4552,15 +4691,15 @@
           </p:cNvPr>
           <p:cNvCxnSpPr>
             <a:cxnSpLocks/>
-            <a:stCxn id="5" idx="0"/>
-            <a:endCxn id="41" idx="2"/>
+            <a:stCxn id="6" idx="2"/>
+            <a:endCxn id="40" idx="0"/>
           </p:cNvCxnSpPr>
           <p:nvPr/>
         </p:nvCxnSpPr>
         <p:spPr>
-          <a:xfrm flipV="1">
-            <a:off x="6095999" y="1028699"/>
-            <a:ext cx="2" cy="291990"/>
+          <a:xfrm flipH="1">
+            <a:off x="3493939" y="2005048"/>
+            <a:ext cx="2" cy="465531"/>
           </a:xfrm>
           <a:prstGeom prst="straightConnector1">
             <a:avLst/>
@@ -4584,42 +4723,12 @@
           </a:fontRef>
         </p:style>
       </p:cxnSp>
-    </p:spTree>
-    <p:extLst>
-      <p:ext uri="{BB962C8B-B14F-4D97-AF65-F5344CB8AC3E}">
-        <p14:creationId xmlns:p14="http://schemas.microsoft.com/office/powerpoint/2010/main" val="2078527769"/>
-      </p:ext>
-    </p:extLst>
-  </p:cSld>
-  <p:clrMapOvr>
-    <a:masterClrMapping/>
-  </p:clrMapOvr>
-</p:sld>
-</file>
-
-<file path=ppt/slides/slide3.xml><?xml version="1.0" encoding="utf-8"?>
-<p:sld xmlns:a="http://schemas.openxmlformats.org/drawingml/2006/main" xmlns:r="http://schemas.openxmlformats.org/officeDocument/2006/relationships" xmlns:p="http://schemas.openxmlformats.org/presentationml/2006/main">
-  <p:cSld>
-    <p:spTree>
-      <p:nvGrpSpPr>
-        <p:cNvPr id="1" name=""/>
-        <p:cNvGrpSpPr/>
-        <p:nvPr/>
-      </p:nvGrpSpPr>
-      <p:grpSpPr>
-        <a:xfrm>
-          <a:off x="0" y="0"/>
-          <a:ext cx="0" cy="0"/>
-          <a:chOff x="0" y="0"/>
-          <a:chExt cx="0" cy="0"/>
-        </a:xfrm>
-      </p:grpSpPr>
       <p:grpSp>
         <p:nvGrpSpPr>
-          <p:cNvPr id="7" name="Group 6">
-            <a:extLst>
-              <a:ext uri="{FF2B5EF4-FFF2-40B4-BE49-F238E27FC236}">
-                <a16:creationId xmlns:a16="http://schemas.microsoft.com/office/drawing/2014/main" id="{2890FF31-C186-95AE-BE73-E84D829EB717}"/>
+          <p:cNvPr id="2" name="Group 1">
+            <a:extLst>
+              <a:ext uri="{FF2B5EF4-FFF2-40B4-BE49-F238E27FC236}">
+                <a16:creationId xmlns:a16="http://schemas.microsoft.com/office/drawing/2014/main" id="{AADE7699-9A50-C7EE-E262-8D747A140146}"/>
               </a:ext>
             </a:extLst>
           </p:cNvPr>
@@ -4628,18 +4737,18 @@
         </p:nvGrpSpPr>
         <p:grpSpPr>
           <a:xfrm>
-            <a:off x="4167307" y="2850777"/>
-            <a:ext cx="3857385" cy="578223"/>
-            <a:chOff x="5311587" y="618565"/>
-            <a:chExt cx="2171700" cy="470646"/>
+            <a:off x="7582152" y="152808"/>
+            <a:ext cx="4401677" cy="581103"/>
+            <a:chOff x="1095085" y="-295883"/>
+            <a:chExt cx="2478135" cy="472990"/>
           </a:xfrm>
         </p:grpSpPr>
         <p:sp>
           <p:nvSpPr>
-            <p:cNvPr id="8" name="Rectangle 7">
+            <p:cNvPr id="3" name="Rectangle 2">
               <a:extLst>
                 <a:ext uri="{FF2B5EF4-FFF2-40B4-BE49-F238E27FC236}">
-                  <a16:creationId xmlns:a16="http://schemas.microsoft.com/office/drawing/2014/main" id="{4B0ADD57-C0D7-2B4A-1377-C9BE9C0ADBAC}"/>
+                  <a16:creationId xmlns:a16="http://schemas.microsoft.com/office/drawing/2014/main" id="{DDFC154E-8A00-3060-52E6-29F8F86FAB20}"/>
                 </a:ext>
               </a:extLst>
             </p:cNvPr>
@@ -4648,16 +4757,16 @@
           </p:nvSpPr>
           <p:spPr>
             <a:xfrm>
-              <a:off x="5311587" y="618565"/>
-              <a:ext cx="2171700" cy="235323"/>
+              <a:off x="1095085" y="-295883"/>
+              <a:ext cx="2478134" cy="235323"/>
             </a:xfrm>
             <a:prstGeom prst="rect">
               <a:avLst/>
             </a:prstGeom>
             <a:solidFill>
-              <a:schemeClr val="accent2">
-                <a:lumMod val="60000"/>
-                <a:lumOff val="40000"/>
+              <a:schemeClr val="accent1">
+                <a:lumMod val="20000"/>
+                <a:lumOff val="80000"/>
               </a:schemeClr>
             </a:solidFill>
           </p:spPr>
@@ -4683,22 +4792,27 @@
             <a:p>
               <a:pPr algn="ctr"/>
               <a:r>
-                <a:rPr lang="en-US" dirty="0">
+                <a:rPr lang="en-US">
                   <a:solidFill>
                     <a:schemeClr val="tx1"/>
                   </a:solidFill>
                 </a:rPr>
-                <a:t>iclus_Wittgenstein_v3.py</a:t>
+                <a:t>process_acs_immigration_weights_age.py</a:t>
               </a:r>
+              <a:endParaRPr lang="en-US" dirty="0">
+                <a:solidFill>
+                  <a:schemeClr val="tx1"/>
+                </a:solidFill>
+              </a:endParaRPr>
             </a:p>
           </p:txBody>
         </p:sp>
         <p:sp>
           <p:nvSpPr>
-            <p:cNvPr id="9" name="Rectangle 8">
+            <p:cNvPr id="8" name="Rectangle 7">
               <a:extLst>
                 <a:ext uri="{FF2B5EF4-FFF2-40B4-BE49-F238E27FC236}">
-                  <a16:creationId xmlns:a16="http://schemas.microsoft.com/office/drawing/2014/main" id="{D0788639-33D1-8717-4FED-D0971CB05E99}"/>
+                  <a16:creationId xmlns:a16="http://schemas.microsoft.com/office/drawing/2014/main" id="{F9248D2C-E660-8E5D-4A89-7C7C86459CFE}"/>
                 </a:ext>
               </a:extLst>
             </p:cNvPr>
@@ -4707,8 +4821,8 @@
           </p:nvSpPr>
           <p:spPr>
             <a:xfrm>
-              <a:off x="5311587" y="853888"/>
-              <a:ext cx="2171700" cy="235323"/>
+              <a:off x="1095086" y="-58216"/>
+              <a:ext cx="2478134" cy="235323"/>
             </a:xfrm>
             <a:prstGeom prst="rect">
               <a:avLst/>
@@ -4736,6 +4850,30 @@
             <a:lstStyle/>
             <a:p>
               <a:pPr algn="ctr"/>
+              <a:r>
+                <a:rPr lang="en-US">
+                  <a:solidFill>
+                    <a:schemeClr val="tx1"/>
+                  </a:solidFill>
+                </a:rPr>
+                <a:t>acs_</a:t>
+              </a:r>
+              <a:r>
+                <a:rPr lang="en-US" err="1">
+                  <a:solidFill>
+                    <a:schemeClr val="tx1"/>
+                  </a:solidFill>
+                </a:rPr>
+                <a:t>immigration</a:t>
+              </a:r>
+              <a:r>
+                <a:rPr lang="en-US">
+                  <a:solidFill>
+                    <a:schemeClr val="tx1"/>
+                  </a:solidFill>
+                </a:rPr>
+                <a:t>_weights_age</a:t>
+              </a:r>
               <a:endParaRPr lang="en-US" dirty="0">
                 <a:solidFill>
                   <a:schemeClr val="tx1"/>
@@ -4747,10 +4885,554 @@
       </p:grpSp>
       <p:grpSp>
         <p:nvGrpSpPr>
-          <p:cNvPr id="21" name="Group 20">
-            <a:extLst>
-              <a:ext uri="{FF2B5EF4-FFF2-40B4-BE49-F238E27FC236}">
-                <a16:creationId xmlns:a16="http://schemas.microsoft.com/office/drawing/2014/main" id="{006D0852-2BA0-D267-C893-793AA4002BE7}"/>
+          <p:cNvPr id="12" name="Group 11">
+            <a:extLst>
+              <a:ext uri="{FF2B5EF4-FFF2-40B4-BE49-F238E27FC236}">
+                <a16:creationId xmlns:a16="http://schemas.microsoft.com/office/drawing/2014/main" id="{E230CD0B-E88D-BD6A-62E3-0E407DC52F26}"/>
+              </a:ext>
+            </a:extLst>
+          </p:cNvPr>
+          <p:cNvGrpSpPr/>
+          <p:nvPr/>
+        </p:nvGrpSpPr>
+        <p:grpSpPr>
+          <a:xfrm>
+            <a:off x="7582148" y="919614"/>
+            <a:ext cx="4401677" cy="581103"/>
+            <a:chOff x="1095085" y="-295883"/>
+            <a:chExt cx="2478135" cy="472990"/>
+          </a:xfrm>
+        </p:grpSpPr>
+        <p:sp>
+          <p:nvSpPr>
+            <p:cNvPr id="13" name="Rectangle 12">
+              <a:extLst>
+                <a:ext uri="{FF2B5EF4-FFF2-40B4-BE49-F238E27FC236}">
+                  <a16:creationId xmlns:a16="http://schemas.microsoft.com/office/drawing/2014/main" id="{CF98C4E3-26FC-98CF-B46A-9E6249A2D578}"/>
+                </a:ext>
+              </a:extLst>
+            </p:cNvPr>
+            <p:cNvSpPr/>
+            <p:nvPr/>
+          </p:nvSpPr>
+          <p:spPr>
+            <a:xfrm>
+              <a:off x="1095085" y="-295883"/>
+              <a:ext cx="2478134" cy="235323"/>
+            </a:xfrm>
+            <a:prstGeom prst="rect">
+              <a:avLst/>
+            </a:prstGeom>
+            <a:solidFill>
+              <a:schemeClr val="accent1">
+                <a:lumMod val="20000"/>
+                <a:lumOff val="80000"/>
+              </a:schemeClr>
+            </a:solidFill>
+          </p:spPr>
+          <p:style>
+            <a:lnRef idx="2">
+              <a:schemeClr val="accent1">
+                <a:shade val="15000"/>
+              </a:schemeClr>
+            </a:lnRef>
+            <a:fillRef idx="1">
+              <a:schemeClr val="accent1"/>
+            </a:fillRef>
+            <a:effectRef idx="0">
+              <a:schemeClr val="accent1"/>
+            </a:effectRef>
+            <a:fontRef idx="minor">
+              <a:schemeClr val="lt1"/>
+            </a:fontRef>
+          </p:style>
+          <p:txBody>
+            <a:bodyPr rtlCol="0" anchor="ctr"/>
+            <a:lstStyle/>
+            <a:p>
+              <a:pPr algn="ctr"/>
+              <a:r>
+                <a:rPr lang="en-US" sz="1600">
+                  <a:solidFill>
+                    <a:schemeClr val="tx1"/>
+                  </a:solidFill>
+                </a:rPr>
+                <a:t>process_acs_immigration_weights_hispanic.py</a:t>
+              </a:r>
+              <a:endParaRPr lang="en-US" sz="1600" dirty="0">
+                <a:solidFill>
+                  <a:schemeClr val="tx1"/>
+                </a:solidFill>
+              </a:endParaRPr>
+            </a:p>
+          </p:txBody>
+        </p:sp>
+        <p:sp>
+          <p:nvSpPr>
+            <p:cNvPr id="14" name="Rectangle 13">
+              <a:extLst>
+                <a:ext uri="{FF2B5EF4-FFF2-40B4-BE49-F238E27FC236}">
+                  <a16:creationId xmlns:a16="http://schemas.microsoft.com/office/drawing/2014/main" id="{12EFB406-69B3-875A-424B-3BA42BDD3F7E}"/>
+                </a:ext>
+              </a:extLst>
+            </p:cNvPr>
+            <p:cNvSpPr/>
+            <p:nvPr/>
+          </p:nvSpPr>
+          <p:spPr>
+            <a:xfrm>
+              <a:off x="1095086" y="-58216"/>
+              <a:ext cx="2478134" cy="235323"/>
+            </a:xfrm>
+            <a:prstGeom prst="rect">
+              <a:avLst/>
+            </a:prstGeom>
+            <a:noFill/>
+          </p:spPr>
+          <p:style>
+            <a:lnRef idx="2">
+              <a:schemeClr val="accent1">
+                <a:shade val="15000"/>
+              </a:schemeClr>
+            </a:lnRef>
+            <a:fillRef idx="1">
+              <a:schemeClr val="accent1"/>
+            </a:fillRef>
+            <a:effectRef idx="0">
+              <a:schemeClr val="accent1"/>
+            </a:effectRef>
+            <a:fontRef idx="minor">
+              <a:schemeClr val="lt1"/>
+            </a:fontRef>
+          </p:style>
+          <p:txBody>
+            <a:bodyPr rtlCol="0" anchor="ctr"/>
+            <a:lstStyle/>
+            <a:p>
+              <a:pPr algn="ctr"/>
+              <a:r>
+                <a:rPr lang="en-US">
+                  <a:solidFill>
+                    <a:schemeClr val="tx1"/>
+                  </a:solidFill>
+                </a:rPr>
+                <a:t>acs_</a:t>
+              </a:r>
+              <a:r>
+                <a:rPr lang="en-US" err="1">
+                  <a:solidFill>
+                    <a:schemeClr val="tx1"/>
+                  </a:solidFill>
+                </a:rPr>
+                <a:t>immigration</a:t>
+              </a:r>
+              <a:r>
+                <a:rPr lang="en-US">
+                  <a:solidFill>
+                    <a:schemeClr val="tx1"/>
+                  </a:solidFill>
+                </a:rPr>
+                <a:t>_weights_hispanic</a:t>
+              </a:r>
+              <a:endParaRPr lang="en-US" dirty="0">
+                <a:solidFill>
+                  <a:schemeClr val="tx1"/>
+                </a:solidFill>
+              </a:endParaRPr>
+            </a:p>
+          </p:txBody>
+        </p:sp>
+      </p:grpSp>
+      <p:grpSp>
+        <p:nvGrpSpPr>
+          <p:cNvPr id="15" name="Group 14">
+            <a:extLst>
+              <a:ext uri="{FF2B5EF4-FFF2-40B4-BE49-F238E27FC236}">
+                <a16:creationId xmlns:a16="http://schemas.microsoft.com/office/drawing/2014/main" id="{068F4E67-F872-B09C-4D87-BA9B24156D58}"/>
+              </a:ext>
+            </a:extLst>
+          </p:cNvPr>
+          <p:cNvGrpSpPr/>
+          <p:nvPr/>
+        </p:nvGrpSpPr>
+        <p:grpSpPr>
+          <a:xfrm>
+            <a:off x="7582148" y="1648150"/>
+            <a:ext cx="4401677" cy="581103"/>
+            <a:chOff x="1095085" y="-295883"/>
+            <a:chExt cx="2478135" cy="472990"/>
+          </a:xfrm>
+        </p:grpSpPr>
+        <p:sp>
+          <p:nvSpPr>
+            <p:cNvPr id="16" name="Rectangle 15">
+              <a:extLst>
+                <a:ext uri="{FF2B5EF4-FFF2-40B4-BE49-F238E27FC236}">
+                  <a16:creationId xmlns:a16="http://schemas.microsoft.com/office/drawing/2014/main" id="{C862192A-1F9D-4997-DFF0-24C4D808A6F8}"/>
+                </a:ext>
+              </a:extLst>
+            </p:cNvPr>
+            <p:cNvSpPr/>
+            <p:nvPr/>
+          </p:nvSpPr>
+          <p:spPr>
+            <a:xfrm>
+              <a:off x="1095085" y="-295883"/>
+              <a:ext cx="2478134" cy="235323"/>
+            </a:xfrm>
+            <a:prstGeom prst="rect">
+              <a:avLst/>
+            </a:prstGeom>
+            <a:solidFill>
+              <a:schemeClr val="accent1">
+                <a:lumMod val="20000"/>
+                <a:lumOff val="80000"/>
+              </a:schemeClr>
+            </a:solidFill>
+          </p:spPr>
+          <p:style>
+            <a:lnRef idx="2">
+              <a:schemeClr val="accent1">
+                <a:shade val="15000"/>
+              </a:schemeClr>
+            </a:lnRef>
+            <a:fillRef idx="1">
+              <a:schemeClr val="accent1"/>
+            </a:fillRef>
+            <a:effectRef idx="0">
+              <a:schemeClr val="accent1"/>
+            </a:effectRef>
+            <a:fontRef idx="minor">
+              <a:schemeClr val="lt1"/>
+            </a:fontRef>
+          </p:style>
+          <p:txBody>
+            <a:bodyPr rtlCol="0" anchor="ctr"/>
+            <a:lstStyle/>
+            <a:p>
+              <a:pPr algn="ctr"/>
+              <a:r>
+                <a:rPr lang="en-US" sz="1600">
+                  <a:solidFill>
+                    <a:schemeClr val="tx1"/>
+                  </a:solidFill>
+                </a:rPr>
+                <a:t>process_acs_immigration_weights_race.py</a:t>
+              </a:r>
+              <a:endParaRPr lang="en-US" sz="1600" dirty="0">
+                <a:solidFill>
+                  <a:schemeClr val="tx1"/>
+                </a:solidFill>
+              </a:endParaRPr>
+            </a:p>
+          </p:txBody>
+        </p:sp>
+        <p:sp>
+          <p:nvSpPr>
+            <p:cNvPr id="17" name="Rectangle 16">
+              <a:extLst>
+                <a:ext uri="{FF2B5EF4-FFF2-40B4-BE49-F238E27FC236}">
+                  <a16:creationId xmlns:a16="http://schemas.microsoft.com/office/drawing/2014/main" id="{29ECD827-C260-B061-FDA7-B321176EAA9E}"/>
+                </a:ext>
+              </a:extLst>
+            </p:cNvPr>
+            <p:cNvSpPr/>
+            <p:nvPr/>
+          </p:nvSpPr>
+          <p:spPr>
+            <a:xfrm>
+              <a:off x="1095086" y="-58216"/>
+              <a:ext cx="2478134" cy="235323"/>
+            </a:xfrm>
+            <a:prstGeom prst="rect">
+              <a:avLst/>
+            </a:prstGeom>
+            <a:noFill/>
+          </p:spPr>
+          <p:style>
+            <a:lnRef idx="2">
+              <a:schemeClr val="accent1">
+                <a:shade val="15000"/>
+              </a:schemeClr>
+            </a:lnRef>
+            <a:fillRef idx="1">
+              <a:schemeClr val="accent1"/>
+            </a:fillRef>
+            <a:effectRef idx="0">
+              <a:schemeClr val="accent1"/>
+            </a:effectRef>
+            <a:fontRef idx="minor">
+              <a:schemeClr val="lt1"/>
+            </a:fontRef>
+          </p:style>
+          <p:txBody>
+            <a:bodyPr rtlCol="0" anchor="ctr"/>
+            <a:lstStyle/>
+            <a:p>
+              <a:pPr algn="ctr"/>
+              <a:r>
+                <a:rPr lang="en-US">
+                  <a:solidFill>
+                    <a:schemeClr val="tx1"/>
+                  </a:solidFill>
+                </a:rPr>
+                <a:t>acs_</a:t>
+              </a:r>
+              <a:r>
+                <a:rPr lang="en-US" err="1">
+                  <a:solidFill>
+                    <a:schemeClr val="tx1"/>
+                  </a:solidFill>
+                </a:rPr>
+                <a:t>immigration</a:t>
+              </a:r>
+              <a:r>
+                <a:rPr lang="en-US">
+                  <a:solidFill>
+                    <a:schemeClr val="tx1"/>
+                  </a:solidFill>
+                </a:rPr>
+                <a:t>_weights_race</a:t>
+              </a:r>
+              <a:endParaRPr lang="en-US" dirty="0">
+                <a:solidFill>
+                  <a:schemeClr val="tx1"/>
+                </a:solidFill>
+              </a:endParaRPr>
+            </a:p>
+          </p:txBody>
+        </p:sp>
+      </p:grpSp>
+      <p:grpSp>
+        <p:nvGrpSpPr>
+          <p:cNvPr id="18" name="Group 17">
+            <a:extLst>
+              <a:ext uri="{FF2B5EF4-FFF2-40B4-BE49-F238E27FC236}">
+                <a16:creationId xmlns:a16="http://schemas.microsoft.com/office/drawing/2014/main" id="{7D636237-D546-4A15-3751-870EB5243CE4}"/>
+              </a:ext>
+            </a:extLst>
+          </p:cNvPr>
+          <p:cNvGrpSpPr/>
+          <p:nvPr/>
+        </p:nvGrpSpPr>
+        <p:grpSpPr>
+          <a:xfrm>
+            <a:off x="7582148" y="2414276"/>
+            <a:ext cx="4401677" cy="581103"/>
+            <a:chOff x="1095085" y="-295883"/>
+            <a:chExt cx="2478135" cy="472990"/>
+          </a:xfrm>
+        </p:grpSpPr>
+        <p:sp>
+          <p:nvSpPr>
+            <p:cNvPr id="19" name="Rectangle 18">
+              <a:extLst>
+                <a:ext uri="{FF2B5EF4-FFF2-40B4-BE49-F238E27FC236}">
+                  <a16:creationId xmlns:a16="http://schemas.microsoft.com/office/drawing/2014/main" id="{9A40F107-830C-E994-0558-F0A5694867E8}"/>
+                </a:ext>
+              </a:extLst>
+            </p:cNvPr>
+            <p:cNvSpPr/>
+            <p:nvPr/>
+          </p:nvSpPr>
+          <p:spPr>
+            <a:xfrm>
+              <a:off x="1095085" y="-295883"/>
+              <a:ext cx="2478134" cy="235323"/>
+            </a:xfrm>
+            <a:prstGeom prst="rect">
+              <a:avLst/>
+            </a:prstGeom>
+            <a:solidFill>
+              <a:schemeClr val="accent1">
+                <a:lumMod val="20000"/>
+                <a:lumOff val="80000"/>
+              </a:schemeClr>
+            </a:solidFill>
+          </p:spPr>
+          <p:style>
+            <a:lnRef idx="2">
+              <a:schemeClr val="accent1">
+                <a:shade val="15000"/>
+              </a:schemeClr>
+            </a:lnRef>
+            <a:fillRef idx="1">
+              <a:schemeClr val="accent1"/>
+            </a:fillRef>
+            <a:effectRef idx="0">
+              <a:schemeClr val="accent1"/>
+            </a:effectRef>
+            <a:fontRef idx="minor">
+              <a:schemeClr val="lt1"/>
+            </a:fontRef>
+          </p:style>
+          <p:txBody>
+            <a:bodyPr rtlCol="0" anchor="ctr"/>
+            <a:lstStyle/>
+            <a:p>
+              <a:pPr algn="ctr"/>
+              <a:r>
+                <a:rPr lang="en-US" sz="1600">
+                  <a:solidFill>
+                    <a:schemeClr val="tx1"/>
+                  </a:solidFill>
+                </a:rPr>
+                <a:t>process_acs_immigration_weights_sex.py</a:t>
+              </a:r>
+              <a:endParaRPr lang="en-US" sz="1600" dirty="0">
+                <a:solidFill>
+                  <a:schemeClr val="tx1"/>
+                </a:solidFill>
+              </a:endParaRPr>
+            </a:p>
+          </p:txBody>
+        </p:sp>
+        <p:sp>
+          <p:nvSpPr>
+            <p:cNvPr id="20" name="Rectangle 19">
+              <a:extLst>
+                <a:ext uri="{FF2B5EF4-FFF2-40B4-BE49-F238E27FC236}">
+                  <a16:creationId xmlns:a16="http://schemas.microsoft.com/office/drawing/2014/main" id="{1176D369-BD4D-6BB9-9971-E8B0C1CF23BC}"/>
+                </a:ext>
+              </a:extLst>
+            </p:cNvPr>
+            <p:cNvSpPr/>
+            <p:nvPr/>
+          </p:nvSpPr>
+          <p:spPr>
+            <a:xfrm>
+              <a:off x="1095086" y="-58216"/>
+              <a:ext cx="2478134" cy="235323"/>
+            </a:xfrm>
+            <a:prstGeom prst="rect">
+              <a:avLst/>
+            </a:prstGeom>
+            <a:noFill/>
+          </p:spPr>
+          <p:style>
+            <a:lnRef idx="2">
+              <a:schemeClr val="accent1">
+                <a:shade val="15000"/>
+              </a:schemeClr>
+            </a:lnRef>
+            <a:fillRef idx="1">
+              <a:schemeClr val="accent1"/>
+            </a:fillRef>
+            <a:effectRef idx="0">
+              <a:schemeClr val="accent1"/>
+            </a:effectRef>
+            <a:fontRef idx="minor">
+              <a:schemeClr val="lt1"/>
+            </a:fontRef>
+          </p:style>
+          <p:txBody>
+            <a:bodyPr rtlCol="0" anchor="ctr"/>
+            <a:lstStyle/>
+            <a:p>
+              <a:pPr algn="ctr"/>
+              <a:r>
+                <a:rPr lang="en-US">
+                  <a:solidFill>
+                    <a:schemeClr val="tx1"/>
+                  </a:solidFill>
+                </a:rPr>
+                <a:t>acs_</a:t>
+              </a:r>
+              <a:r>
+                <a:rPr lang="en-US" err="1">
+                  <a:solidFill>
+                    <a:schemeClr val="tx1"/>
+                  </a:solidFill>
+                </a:rPr>
+                <a:t>immigration</a:t>
+              </a:r>
+              <a:r>
+                <a:rPr lang="en-US">
+                  <a:solidFill>
+                    <a:schemeClr val="tx1"/>
+                  </a:solidFill>
+                </a:rPr>
+                <a:t>_weights_sex</a:t>
+              </a:r>
+              <a:endParaRPr lang="en-US" dirty="0">
+                <a:solidFill>
+                  <a:schemeClr val="tx1"/>
+                </a:solidFill>
+              </a:endParaRPr>
+            </a:p>
+          </p:txBody>
+        </p:sp>
+      </p:grpSp>
+      <p:sp>
+        <p:nvSpPr>
+          <p:cNvPr id="29" name="Rectangle 28">
+            <a:extLst>
+              <a:ext uri="{FF2B5EF4-FFF2-40B4-BE49-F238E27FC236}">
+                <a16:creationId xmlns:a16="http://schemas.microsoft.com/office/drawing/2014/main" id="{01C1A3CB-42D2-43B4-34DC-86511B49C1C8}"/>
+              </a:ext>
+            </a:extLst>
+          </p:cNvPr>
+          <p:cNvSpPr/>
+          <p:nvPr/>
+        </p:nvSpPr>
+        <p:spPr>
+          <a:xfrm>
+            <a:off x="1565246" y="3883962"/>
+            <a:ext cx="3857385" cy="289112"/>
+          </a:xfrm>
+          <a:prstGeom prst="rect">
+            <a:avLst/>
+          </a:prstGeom>
+          <a:solidFill>
+            <a:schemeClr val="tx1"/>
+          </a:solidFill>
+        </p:spPr>
+        <p:style>
+          <a:lnRef idx="2">
+            <a:schemeClr val="accent1">
+              <a:shade val="15000"/>
+            </a:schemeClr>
+          </a:lnRef>
+          <a:fillRef idx="1">
+            <a:schemeClr val="accent1"/>
+          </a:fillRef>
+          <a:effectRef idx="0">
+            <a:schemeClr val="accent1"/>
+          </a:effectRef>
+          <a:fontRef idx="minor">
+            <a:schemeClr val="lt1"/>
+          </a:fontRef>
+        </p:style>
+        <p:txBody>
+          <a:bodyPr rtlCol="0" anchor="ctr"/>
+          <a:lstStyle/>
+          <a:p>
+            <a:pPr algn="ctr"/>
+            <a:r>
+              <a:rPr lang="en-US">
+                <a:solidFill>
+                  <a:schemeClr val="bg1"/>
+                </a:solidFill>
+              </a:rPr>
+              <a:t>iclus_wittgenstein</a:t>
+            </a:r>
+            <a:r>
+              <a:rPr lang="en-US" dirty="0">
+                <a:solidFill>
+                  <a:schemeClr val="bg1"/>
+                </a:solidFill>
+              </a:rPr>
+              <a:t>_v3.py</a:t>
+            </a:r>
+          </a:p>
+        </p:txBody>
+      </p:sp>
+      <p:grpSp>
+        <p:nvGrpSpPr>
+          <p:cNvPr id="35" name="Group 34">
+            <a:extLst>
+              <a:ext uri="{FF2B5EF4-FFF2-40B4-BE49-F238E27FC236}">
+                <a16:creationId xmlns:a16="http://schemas.microsoft.com/office/drawing/2014/main" id="{985FCD1A-7333-277F-AD09-35BE248761ED}"/>
               </a:ext>
             </a:extLst>
           </p:cNvPr>
@@ -4761,7 +5443,7 @@
         </p:nvGrpSpPr>
         <p:grpSpPr>
           <a:xfrm>
-            <a:off x="205545" y="2773938"/>
+            <a:off x="7441071" y="5536673"/>
             <a:ext cx="3857385" cy="578224"/>
             <a:chOff x="1095086" y="-293540"/>
             <a:chExt cx="2171700" cy="470647"/>
@@ -4769,10 +5451,10 @@
         </p:grpSpPr>
         <p:sp>
           <p:nvSpPr>
-            <p:cNvPr id="22" name="Rectangle 21">
+            <p:cNvPr id="42" name="Rectangle 41">
               <a:extLst>
                 <a:ext uri="{FF2B5EF4-FFF2-40B4-BE49-F238E27FC236}">
-                  <a16:creationId xmlns:a16="http://schemas.microsoft.com/office/drawing/2014/main" id="{41AF79F5-C8BD-32FC-4785-3A3343454BC2}"/>
+                  <a16:creationId xmlns:a16="http://schemas.microsoft.com/office/drawing/2014/main" id="{17B9194D-5405-C229-B52C-55F4847E0A33}"/>
                 </a:ext>
               </a:extLst>
             </p:cNvPr>
@@ -4790,7 +5472,7 @@
               <a:avLst/>
             </a:prstGeom>
             <a:solidFill>
-              <a:schemeClr val="accent5">
+              <a:schemeClr val="accent3">
                 <a:lumMod val="20000"/>
                 <a:lumOff val="80000"/>
               </a:schemeClr>
@@ -4846,10 +5528,10 @@
         </p:sp>
         <p:sp>
           <p:nvSpPr>
-            <p:cNvPr id="23" name="Rectangle 22">
+            <p:cNvPr id="43" name="Rectangle 42">
               <a:extLst>
                 <a:ext uri="{FF2B5EF4-FFF2-40B4-BE49-F238E27FC236}">
-                  <a16:creationId xmlns:a16="http://schemas.microsoft.com/office/drawing/2014/main" id="{8543597D-F35D-397E-5040-A3818E5D6E94}"/>
+                  <a16:creationId xmlns:a16="http://schemas.microsoft.com/office/drawing/2014/main" id="{DFD0CF89-EFB5-D8A7-7D59-C1D6AE848C9C}"/>
                 </a:ext>
               </a:extLst>
             </p:cNvPr>
@@ -4901,55 +5583,12 @@
           </p:txBody>
         </p:sp>
       </p:grpSp>
-      <p:cxnSp>
-        <p:nvCxnSpPr>
-          <p:cNvPr id="24" name="Straight Arrow Connector 23">
-            <a:extLst>
-              <a:ext uri="{FF2B5EF4-FFF2-40B4-BE49-F238E27FC236}">
-                <a16:creationId xmlns:a16="http://schemas.microsoft.com/office/drawing/2014/main" id="{92F2182D-1E60-C181-4C1C-F601E5F82F92}"/>
-              </a:ext>
-            </a:extLst>
-          </p:cNvPr>
-          <p:cNvCxnSpPr>
-            <a:cxnSpLocks/>
-            <a:stCxn id="22" idx="0"/>
-            <a:endCxn id="30" idx="2"/>
-          </p:cNvCxnSpPr>
-          <p:nvPr/>
-        </p:nvCxnSpPr>
-        <p:spPr>
-          <a:xfrm flipV="1">
-            <a:off x="2134238" y="2440799"/>
-            <a:ext cx="2" cy="333139"/>
-          </a:xfrm>
-          <a:prstGeom prst="straightConnector1">
-            <a:avLst/>
-          </a:prstGeom>
-          <a:ln>
-            <a:tailEnd type="triangle" w="lg" len="lg"/>
-          </a:ln>
-        </p:spPr>
-        <p:style>
-          <a:lnRef idx="2">
-            <a:schemeClr val="accent1"/>
-          </a:lnRef>
-          <a:fillRef idx="0">
-            <a:schemeClr val="accent1"/>
-          </a:fillRef>
-          <a:effectRef idx="1">
-            <a:schemeClr val="accent1"/>
-          </a:effectRef>
-          <a:fontRef idx="minor">
-            <a:schemeClr val="tx1"/>
-          </a:fontRef>
-        </p:style>
-      </p:cxnSp>
       <p:grpSp>
         <p:nvGrpSpPr>
-          <p:cNvPr id="28" name="Group 27">
-            <a:extLst>
-              <a:ext uri="{FF2B5EF4-FFF2-40B4-BE49-F238E27FC236}">
-                <a16:creationId xmlns:a16="http://schemas.microsoft.com/office/drawing/2014/main" id="{11A1BDC2-F9CA-C499-115B-CD7136289A79}"/>
+          <p:cNvPr id="45" name="Group 44">
+            <a:extLst>
+              <a:ext uri="{FF2B5EF4-FFF2-40B4-BE49-F238E27FC236}">
+                <a16:creationId xmlns:a16="http://schemas.microsoft.com/office/drawing/2014/main" id="{7009A217-C82D-5191-F291-F4692B5BD178}"/>
               </a:ext>
             </a:extLst>
           </p:cNvPr>
@@ -4960,7 +5599,7 @@
         </p:nvGrpSpPr>
         <p:grpSpPr>
           <a:xfrm>
-            <a:off x="205545" y="1862575"/>
+            <a:off x="7441071" y="4625310"/>
             <a:ext cx="3857387" cy="578223"/>
             <a:chOff x="5311587" y="618565"/>
             <a:chExt cx="2171701" cy="470646"/>
@@ -4968,10 +5607,10 @@
         </p:grpSpPr>
         <p:sp>
           <p:nvSpPr>
-            <p:cNvPr id="29" name="Rectangle 28">
+            <p:cNvPr id="46" name="Rectangle 45">
               <a:extLst>
                 <a:ext uri="{FF2B5EF4-FFF2-40B4-BE49-F238E27FC236}">
-                  <a16:creationId xmlns:a16="http://schemas.microsoft.com/office/drawing/2014/main" id="{2F346B30-5253-BBB0-E968-709790831E16}"/>
+                  <a16:creationId xmlns:a16="http://schemas.microsoft.com/office/drawing/2014/main" id="{FD735D55-C791-776B-B1BC-6FF1323F68E2}"/>
                 </a:ext>
               </a:extLst>
             </p:cNvPr>
@@ -4989,7 +5628,7 @@
               <a:avLst/>
             </a:prstGeom>
             <a:solidFill>
-              <a:schemeClr val="accent5">
+              <a:schemeClr val="accent3">
                 <a:lumMod val="20000"/>
                 <a:lumOff val="80000"/>
               </a:schemeClr>
@@ -5029,10 +5668,10 @@
         </p:sp>
         <p:sp>
           <p:nvSpPr>
-            <p:cNvPr id="30" name="Rectangle 29">
+            <p:cNvPr id="47" name="Rectangle 46">
               <a:extLst>
                 <a:ext uri="{FF2B5EF4-FFF2-40B4-BE49-F238E27FC236}">
-                  <a16:creationId xmlns:a16="http://schemas.microsoft.com/office/drawing/2014/main" id="{8C86D6A1-E678-A94D-572B-C5520C1EF47C}"/>
+                  <a16:creationId xmlns:a16="http://schemas.microsoft.com/office/drawing/2014/main" id="{5A45719C-B728-521E-F4B7-0FFE7D00E223}"/>
                 </a:ext>
               </a:extLst>
             </p:cNvPr>
@@ -5084,6 +5723,1000 @@
           </p:txBody>
         </p:sp>
       </p:grpSp>
+      <p:cxnSp>
+        <p:nvCxnSpPr>
+          <p:cNvPr id="49" name="Connector: Elbow 48">
+            <a:extLst>
+              <a:ext uri="{FF2B5EF4-FFF2-40B4-BE49-F238E27FC236}">
+                <a16:creationId xmlns:a16="http://schemas.microsoft.com/office/drawing/2014/main" id="{4D69721F-E5FE-F441-BA8E-CC5C9813ECC3}"/>
+              </a:ext>
+            </a:extLst>
+          </p:cNvPr>
+          <p:cNvCxnSpPr>
+            <a:cxnSpLocks/>
+            <a:stCxn id="47" idx="1"/>
+            <a:endCxn id="29" idx="2"/>
+          </p:cNvCxnSpPr>
+          <p:nvPr/>
+        </p:nvCxnSpPr>
+        <p:spPr>
+          <a:xfrm rot="10800000">
+            <a:off x="3493939" y="4173074"/>
+            <a:ext cx="3947134" cy="885904"/>
+          </a:xfrm>
+          <a:prstGeom prst="bentConnector2">
+            <a:avLst/>
+          </a:prstGeom>
+          <a:ln>
+            <a:tailEnd type="triangle" w="lg" len="lg"/>
+          </a:ln>
+        </p:spPr>
+        <p:style>
+          <a:lnRef idx="2">
+            <a:schemeClr val="accent1"/>
+          </a:lnRef>
+          <a:fillRef idx="0">
+            <a:schemeClr val="accent1"/>
+          </a:fillRef>
+          <a:effectRef idx="1">
+            <a:schemeClr val="accent1"/>
+          </a:effectRef>
+          <a:fontRef idx="minor">
+            <a:schemeClr val="tx1"/>
+          </a:fontRef>
+        </p:style>
+      </p:cxnSp>
+      <p:cxnSp>
+        <p:nvCxnSpPr>
+          <p:cNvPr id="50" name="Straight Arrow Connector 49">
+            <a:extLst>
+              <a:ext uri="{FF2B5EF4-FFF2-40B4-BE49-F238E27FC236}">
+                <a16:creationId xmlns:a16="http://schemas.microsoft.com/office/drawing/2014/main" id="{3BE2A1CA-8F75-45E3-A576-E849CA996EBB}"/>
+              </a:ext>
+            </a:extLst>
+          </p:cNvPr>
+          <p:cNvCxnSpPr>
+            <a:cxnSpLocks/>
+            <a:stCxn id="38" idx="1"/>
+            <a:endCxn id="29" idx="3"/>
+          </p:cNvCxnSpPr>
+          <p:nvPr/>
+        </p:nvCxnSpPr>
+        <p:spPr>
+          <a:xfrm flipH="1" flipV="1">
+            <a:off x="5422631" y="4028518"/>
+            <a:ext cx="1699884" cy="3678"/>
+          </a:xfrm>
+          <a:prstGeom prst="straightConnector1">
+            <a:avLst/>
+          </a:prstGeom>
+          <a:ln>
+            <a:tailEnd type="triangle" w="lg" len="lg"/>
+          </a:ln>
+        </p:spPr>
+        <p:style>
+          <a:lnRef idx="2">
+            <a:schemeClr val="accent1"/>
+          </a:lnRef>
+          <a:fillRef idx="0">
+            <a:schemeClr val="accent1"/>
+          </a:fillRef>
+          <a:effectRef idx="1">
+            <a:schemeClr val="accent1"/>
+          </a:effectRef>
+          <a:fontRef idx="minor">
+            <a:schemeClr val="tx1"/>
+          </a:fontRef>
+        </p:style>
+      </p:cxnSp>
+      <p:cxnSp>
+        <p:nvCxnSpPr>
+          <p:cNvPr id="53" name="Connector: Elbow 52">
+            <a:extLst>
+              <a:ext uri="{FF2B5EF4-FFF2-40B4-BE49-F238E27FC236}">
+                <a16:creationId xmlns:a16="http://schemas.microsoft.com/office/drawing/2014/main" id="{503A50A9-D85C-3801-2E71-F08EAF28B3F2}"/>
+              </a:ext>
+            </a:extLst>
+          </p:cNvPr>
+          <p:cNvCxnSpPr>
+            <a:cxnSpLocks/>
+            <a:stCxn id="43" idx="3"/>
+            <a:endCxn id="46" idx="3"/>
+          </p:cNvCxnSpPr>
+          <p:nvPr/>
+        </p:nvCxnSpPr>
+        <p:spPr>
+          <a:xfrm flipV="1">
+            <a:off x="11298456" y="4769866"/>
+            <a:ext cx="12700" cy="1200476"/>
+          </a:xfrm>
+          <a:prstGeom prst="bentConnector3">
+            <a:avLst>
+              <a:gd name="adj1" fmla="val 1800000"/>
+            </a:avLst>
+          </a:prstGeom>
+          <a:ln>
+            <a:tailEnd type="triangle"/>
+          </a:ln>
+        </p:spPr>
+        <p:style>
+          <a:lnRef idx="2">
+            <a:schemeClr val="accent1"/>
+          </a:lnRef>
+          <a:fillRef idx="0">
+            <a:schemeClr val="accent1"/>
+          </a:fillRef>
+          <a:effectRef idx="1">
+            <a:schemeClr val="accent1"/>
+          </a:effectRef>
+          <a:fontRef idx="minor">
+            <a:schemeClr val="tx1"/>
+          </a:fontRef>
+        </p:style>
+      </p:cxnSp>
+      <p:cxnSp>
+        <p:nvCxnSpPr>
+          <p:cNvPr id="65" name="Straight Arrow Connector 64">
+            <a:extLst>
+              <a:ext uri="{FF2B5EF4-FFF2-40B4-BE49-F238E27FC236}">
+                <a16:creationId xmlns:a16="http://schemas.microsoft.com/office/drawing/2014/main" id="{CC2B8F54-4E75-C9DB-8B1F-D62D43B48D7C}"/>
+              </a:ext>
+            </a:extLst>
+          </p:cNvPr>
+          <p:cNvCxnSpPr>
+            <a:cxnSpLocks/>
+            <a:stCxn id="41" idx="2"/>
+            <a:endCxn id="29" idx="0"/>
+          </p:cNvCxnSpPr>
+          <p:nvPr/>
+        </p:nvCxnSpPr>
+        <p:spPr>
+          <a:xfrm flipH="1">
+            <a:off x="3493939" y="3126441"/>
+            <a:ext cx="2" cy="757521"/>
+          </a:xfrm>
+          <a:prstGeom prst="straightConnector1">
+            <a:avLst/>
+          </a:prstGeom>
+          <a:ln>
+            <a:tailEnd type="triangle" w="lg" len="lg"/>
+          </a:ln>
+        </p:spPr>
+        <p:style>
+          <a:lnRef idx="2">
+            <a:schemeClr val="accent1"/>
+          </a:lnRef>
+          <a:fillRef idx="0">
+            <a:schemeClr val="accent1"/>
+          </a:fillRef>
+          <a:effectRef idx="1">
+            <a:schemeClr val="accent1"/>
+          </a:effectRef>
+          <a:fontRef idx="minor">
+            <a:schemeClr val="tx1"/>
+          </a:fontRef>
+        </p:style>
+      </p:cxnSp>
+      <p:sp>
+        <p:nvSpPr>
+          <p:cNvPr id="10" name="Oval 9">
+            <a:extLst>
+              <a:ext uri="{FF2B5EF4-FFF2-40B4-BE49-F238E27FC236}">
+                <a16:creationId xmlns:a16="http://schemas.microsoft.com/office/drawing/2014/main" id="{D1C755AA-DFC4-A3A4-AD66-F7138762735A}"/>
+              </a:ext>
+            </a:extLst>
+          </p:cNvPr>
+          <p:cNvSpPr/>
+          <p:nvPr/>
+        </p:nvSpPr>
+        <p:spPr>
+          <a:xfrm>
+            <a:off x="109728" y="107314"/>
+            <a:ext cx="2103120" cy="863111"/>
+          </a:xfrm>
+          <a:prstGeom prst="ellipse">
+            <a:avLst/>
+          </a:prstGeom>
+          <a:gradFill flip="none" rotWithShape="1">
+            <a:gsLst>
+              <a:gs pos="0">
+                <a:schemeClr val="accent5">
+                  <a:lumMod val="67000"/>
+                </a:schemeClr>
+              </a:gs>
+              <a:gs pos="48000">
+                <a:schemeClr val="accent5">
+                  <a:lumMod val="97000"/>
+                  <a:lumOff val="3000"/>
+                </a:schemeClr>
+              </a:gs>
+              <a:gs pos="100000">
+                <a:schemeClr val="accent5">
+                  <a:lumMod val="60000"/>
+                  <a:lumOff val="40000"/>
+                </a:schemeClr>
+              </a:gs>
+            </a:gsLst>
+            <a:lin ang="16200000" scaled="1"/>
+            <a:tileRect/>
+          </a:gradFill>
+          <a:ln>
+            <a:noFill/>
+          </a:ln>
+        </p:spPr>
+        <p:style>
+          <a:lnRef idx="0">
+            <a:scrgbClr r="0" g="0" b="0"/>
+          </a:lnRef>
+          <a:fillRef idx="0">
+            <a:scrgbClr r="0" g="0" b="0"/>
+          </a:fillRef>
+          <a:effectRef idx="0">
+            <a:scrgbClr r="0" g="0" b="0"/>
+          </a:effectRef>
+          <a:fontRef idx="minor">
+            <a:schemeClr val="lt1"/>
+          </a:fontRef>
+        </p:style>
+        <p:txBody>
+          <a:bodyPr rtlCol="0" anchor="ctr"/>
+          <a:lstStyle/>
+          <a:p>
+            <a:pPr algn="ctr"/>
+            <a:r>
+              <a:rPr lang="en-US"/>
+              <a:t>Immigration</a:t>
+            </a:r>
+          </a:p>
+        </p:txBody>
+      </p:sp>
+      <p:cxnSp>
+        <p:nvCxnSpPr>
+          <p:cNvPr id="30" name="Connector: Elbow 29">
+            <a:extLst>
+              <a:ext uri="{FF2B5EF4-FFF2-40B4-BE49-F238E27FC236}">
+                <a16:creationId xmlns:a16="http://schemas.microsoft.com/office/drawing/2014/main" id="{615AC0A0-6F2C-3053-740D-309424A824BE}"/>
+              </a:ext>
+            </a:extLst>
+          </p:cNvPr>
+          <p:cNvCxnSpPr>
+            <a:cxnSpLocks/>
+            <a:stCxn id="8" idx="1"/>
+            <a:endCxn id="5" idx="3"/>
+          </p:cNvCxnSpPr>
+          <p:nvPr/>
+        </p:nvCxnSpPr>
+        <p:spPr>
+          <a:xfrm rot="10800000" flipV="1">
+            <a:off x="6592850" y="589354"/>
+            <a:ext cx="989305" cy="906787"/>
+          </a:xfrm>
+          <a:prstGeom prst="bentConnector3">
+            <a:avLst>
+              <a:gd name="adj1" fmla="val 50000"/>
+            </a:avLst>
+          </a:prstGeom>
+          <a:ln>
+            <a:tailEnd type="triangle" w="lg" len="lg"/>
+          </a:ln>
+        </p:spPr>
+        <p:style>
+          <a:lnRef idx="2">
+            <a:schemeClr val="accent1"/>
+          </a:lnRef>
+          <a:fillRef idx="0">
+            <a:schemeClr val="accent1"/>
+          </a:fillRef>
+          <a:effectRef idx="1">
+            <a:schemeClr val="accent1"/>
+          </a:effectRef>
+          <a:fontRef idx="minor">
+            <a:schemeClr val="tx1"/>
+          </a:fontRef>
+        </p:style>
+      </p:cxnSp>
+      <p:cxnSp>
+        <p:nvCxnSpPr>
+          <p:cNvPr id="33" name="Connector: Elbow 32">
+            <a:extLst>
+              <a:ext uri="{FF2B5EF4-FFF2-40B4-BE49-F238E27FC236}">
+                <a16:creationId xmlns:a16="http://schemas.microsoft.com/office/drawing/2014/main" id="{79A47D57-415E-D37B-ED47-91DB0319754D}"/>
+              </a:ext>
+            </a:extLst>
+          </p:cNvPr>
+          <p:cNvCxnSpPr>
+            <a:cxnSpLocks/>
+            <a:stCxn id="14" idx="1"/>
+            <a:endCxn id="5" idx="3"/>
+          </p:cNvCxnSpPr>
+          <p:nvPr/>
+        </p:nvCxnSpPr>
+        <p:spPr>
+          <a:xfrm rot="10800000" flipV="1">
+            <a:off x="6592850" y="1356160"/>
+            <a:ext cx="989301" cy="139981"/>
+          </a:xfrm>
+          <a:prstGeom prst="bentConnector3">
+            <a:avLst>
+              <a:gd name="adj1" fmla="val 50000"/>
+            </a:avLst>
+          </a:prstGeom>
+          <a:ln>
+            <a:tailEnd type="triangle" w="lg" len="lg"/>
+          </a:ln>
+        </p:spPr>
+        <p:style>
+          <a:lnRef idx="2">
+            <a:schemeClr val="accent1"/>
+          </a:lnRef>
+          <a:fillRef idx="0">
+            <a:schemeClr val="accent1"/>
+          </a:fillRef>
+          <a:effectRef idx="1">
+            <a:schemeClr val="accent1"/>
+          </a:effectRef>
+          <a:fontRef idx="minor">
+            <a:schemeClr val="tx1"/>
+          </a:fontRef>
+        </p:style>
+      </p:cxnSp>
+      <p:cxnSp>
+        <p:nvCxnSpPr>
+          <p:cNvPr id="48" name="Connector: Elbow 47">
+            <a:extLst>
+              <a:ext uri="{FF2B5EF4-FFF2-40B4-BE49-F238E27FC236}">
+                <a16:creationId xmlns:a16="http://schemas.microsoft.com/office/drawing/2014/main" id="{9C2C51BE-2582-BBF8-47D2-8C3F50B53228}"/>
+              </a:ext>
+            </a:extLst>
+          </p:cNvPr>
+          <p:cNvCxnSpPr>
+            <a:cxnSpLocks/>
+            <a:stCxn id="17" idx="1"/>
+            <a:endCxn id="5" idx="3"/>
+          </p:cNvCxnSpPr>
+          <p:nvPr/>
+        </p:nvCxnSpPr>
+        <p:spPr>
+          <a:xfrm rot="10800000">
+            <a:off x="6592850" y="1496143"/>
+            <a:ext cx="989301" cy="588555"/>
+          </a:xfrm>
+          <a:prstGeom prst="bentConnector3">
+            <a:avLst>
+              <a:gd name="adj1" fmla="val 50000"/>
+            </a:avLst>
+          </a:prstGeom>
+          <a:ln>
+            <a:tailEnd type="triangle" w="lg" len="lg"/>
+          </a:ln>
+        </p:spPr>
+        <p:style>
+          <a:lnRef idx="2">
+            <a:schemeClr val="accent1"/>
+          </a:lnRef>
+          <a:fillRef idx="0">
+            <a:schemeClr val="accent1"/>
+          </a:fillRef>
+          <a:effectRef idx="1">
+            <a:schemeClr val="accent1"/>
+          </a:effectRef>
+          <a:fontRef idx="minor">
+            <a:schemeClr val="tx1"/>
+          </a:fontRef>
+        </p:style>
+      </p:cxnSp>
+      <p:cxnSp>
+        <p:nvCxnSpPr>
+          <p:cNvPr id="54" name="Connector: Elbow 53">
+            <a:extLst>
+              <a:ext uri="{FF2B5EF4-FFF2-40B4-BE49-F238E27FC236}">
+                <a16:creationId xmlns:a16="http://schemas.microsoft.com/office/drawing/2014/main" id="{49D5354F-ED89-6ED7-F849-B326A5999D5E}"/>
+              </a:ext>
+            </a:extLst>
+          </p:cNvPr>
+          <p:cNvCxnSpPr>
+            <a:cxnSpLocks/>
+            <a:stCxn id="20" idx="1"/>
+            <a:endCxn id="5" idx="3"/>
+          </p:cNvCxnSpPr>
+          <p:nvPr/>
+        </p:nvCxnSpPr>
+        <p:spPr>
+          <a:xfrm rot="10800000">
+            <a:off x="6592850" y="1496143"/>
+            <a:ext cx="989301" cy="1354681"/>
+          </a:xfrm>
+          <a:prstGeom prst="bentConnector3">
+            <a:avLst>
+              <a:gd name="adj1" fmla="val 50000"/>
+            </a:avLst>
+          </a:prstGeom>
+          <a:ln>
+            <a:tailEnd type="triangle" w="lg" len="lg"/>
+          </a:ln>
+        </p:spPr>
+        <p:style>
+          <a:lnRef idx="2">
+            <a:schemeClr val="accent1"/>
+          </a:lnRef>
+          <a:fillRef idx="0">
+            <a:schemeClr val="accent1"/>
+          </a:fillRef>
+          <a:effectRef idx="1">
+            <a:schemeClr val="accent1"/>
+          </a:effectRef>
+          <a:fontRef idx="minor">
+            <a:schemeClr val="tx1"/>
+          </a:fontRef>
+        </p:style>
+      </p:cxnSp>
+    </p:spTree>
+    <p:extLst>
+      <p:ext uri="{BB962C8B-B14F-4D97-AF65-F5344CB8AC3E}">
+        <p14:creationId xmlns:p14="http://schemas.microsoft.com/office/powerpoint/2010/main" val="2078527769"/>
+      </p:ext>
+    </p:extLst>
+  </p:cSld>
+  <p:clrMapOvr>
+    <a:masterClrMapping/>
+  </p:clrMapOvr>
+</p:sld>
+</file>
+
+<file path=ppt/slides/slide4.xml><?xml version="1.0" encoding="utf-8"?>
+<p:sld xmlns:a="http://schemas.openxmlformats.org/drawingml/2006/main" xmlns:r="http://schemas.openxmlformats.org/officeDocument/2006/relationships" xmlns:p="http://schemas.openxmlformats.org/presentationml/2006/main">
+  <p:cSld>
+    <p:spTree>
+      <p:nvGrpSpPr>
+        <p:cNvPr id="1" name=""/>
+        <p:cNvGrpSpPr/>
+        <p:nvPr/>
+      </p:nvGrpSpPr>
+      <p:grpSpPr>
+        <a:xfrm>
+          <a:off x="0" y="0"/>
+          <a:ext cx="0" cy="0"/>
+          <a:chOff x="0" y="0"/>
+          <a:chExt cx="0" cy="0"/>
+        </a:xfrm>
+      </p:grpSpPr>
+      <p:sp>
+        <p:nvSpPr>
+          <p:cNvPr id="8" name="Rectangle 7">
+            <a:extLst>
+              <a:ext uri="{FF2B5EF4-FFF2-40B4-BE49-F238E27FC236}">
+                <a16:creationId xmlns:a16="http://schemas.microsoft.com/office/drawing/2014/main" id="{4B0ADD57-C0D7-2B4A-1377-C9BE9C0ADBAC}"/>
+              </a:ext>
+            </a:extLst>
+          </p:cNvPr>
+          <p:cNvSpPr/>
+          <p:nvPr/>
+        </p:nvSpPr>
+        <p:spPr>
+          <a:xfrm>
+            <a:off x="4066723" y="3139888"/>
+            <a:ext cx="3857385" cy="289112"/>
+          </a:xfrm>
+          <a:prstGeom prst="rect">
+            <a:avLst/>
+          </a:prstGeom>
+          <a:solidFill>
+            <a:schemeClr val="tx1"/>
+          </a:solidFill>
+        </p:spPr>
+        <p:style>
+          <a:lnRef idx="2">
+            <a:schemeClr val="accent1">
+              <a:shade val="15000"/>
+            </a:schemeClr>
+          </a:lnRef>
+          <a:fillRef idx="1">
+            <a:schemeClr val="accent1"/>
+          </a:fillRef>
+          <a:effectRef idx="0">
+            <a:schemeClr val="accent1"/>
+          </a:effectRef>
+          <a:fontRef idx="minor">
+            <a:schemeClr val="lt1"/>
+          </a:fontRef>
+        </p:style>
+        <p:txBody>
+          <a:bodyPr rtlCol="0" anchor="ctr"/>
+          <a:lstStyle/>
+          <a:p>
+            <a:pPr algn="ctr"/>
+            <a:r>
+              <a:rPr lang="en-US" dirty="0">
+                <a:solidFill>
+                  <a:schemeClr val="bg1"/>
+                </a:solidFill>
+              </a:rPr>
+              <a:t>iclus_Wittgenstein_v3.py</a:t>
+            </a:r>
+          </a:p>
+        </p:txBody>
+      </p:sp>
+      <p:sp>
+        <p:nvSpPr>
+          <p:cNvPr id="2" name="Oval 1">
+            <a:extLst>
+              <a:ext uri="{FF2B5EF4-FFF2-40B4-BE49-F238E27FC236}">
+                <a16:creationId xmlns:a16="http://schemas.microsoft.com/office/drawing/2014/main" id="{FFEA1513-E664-2C43-6F90-7C68BE20025D}"/>
+              </a:ext>
+            </a:extLst>
+          </p:cNvPr>
+          <p:cNvSpPr/>
+          <p:nvPr/>
+        </p:nvSpPr>
+        <p:spPr>
+          <a:xfrm>
+            <a:off x="109728" y="107314"/>
+            <a:ext cx="2103120" cy="863111"/>
+          </a:xfrm>
+          <a:prstGeom prst="ellipse">
+            <a:avLst/>
+          </a:prstGeom>
+          <a:gradFill flip="none" rotWithShape="1">
+            <a:gsLst>
+              <a:gs pos="0">
+                <a:schemeClr val="accent5">
+                  <a:lumMod val="67000"/>
+                </a:schemeClr>
+              </a:gs>
+              <a:gs pos="48000">
+                <a:schemeClr val="accent5">
+                  <a:lumMod val="97000"/>
+                  <a:lumOff val="3000"/>
+                </a:schemeClr>
+              </a:gs>
+              <a:gs pos="100000">
+                <a:schemeClr val="accent5">
+                  <a:lumMod val="60000"/>
+                  <a:lumOff val="40000"/>
+                </a:schemeClr>
+              </a:gs>
+            </a:gsLst>
+            <a:lin ang="16200000" scaled="1"/>
+            <a:tileRect/>
+          </a:gradFill>
+          <a:ln>
+            <a:noFill/>
+          </a:ln>
+        </p:spPr>
+        <p:style>
+          <a:lnRef idx="0">
+            <a:scrgbClr r="0" g="0" b="0"/>
+          </a:lnRef>
+          <a:fillRef idx="0">
+            <a:scrgbClr r="0" g="0" b="0"/>
+          </a:fillRef>
+          <a:effectRef idx="0">
+            <a:scrgbClr r="0" g="0" b="0"/>
+          </a:effectRef>
+          <a:fontRef idx="minor">
+            <a:schemeClr val="lt1"/>
+          </a:fontRef>
+        </p:style>
+        <p:txBody>
+          <a:bodyPr rtlCol="0" anchor="ctr"/>
+          <a:lstStyle/>
+          <a:p>
+            <a:pPr algn="ctr"/>
+            <a:r>
+              <a:rPr lang="en-US"/>
+              <a:t>Fertility</a:t>
+            </a:r>
+          </a:p>
+        </p:txBody>
+      </p:sp>
+      <p:grpSp>
+        <p:nvGrpSpPr>
+          <p:cNvPr id="3" name="Group 2">
+            <a:extLst>
+              <a:ext uri="{FF2B5EF4-FFF2-40B4-BE49-F238E27FC236}">
+                <a16:creationId xmlns:a16="http://schemas.microsoft.com/office/drawing/2014/main" id="{3B099CF6-E009-1350-20FA-0AC89302E08E}"/>
+              </a:ext>
+            </a:extLst>
+          </p:cNvPr>
+          <p:cNvGrpSpPr/>
+          <p:nvPr/>
+        </p:nvGrpSpPr>
+        <p:grpSpPr>
+          <a:xfrm>
+            <a:off x="4066723" y="1830549"/>
+            <a:ext cx="3857385" cy="578223"/>
+            <a:chOff x="5311588" y="618565"/>
+            <a:chExt cx="2171700" cy="470646"/>
+          </a:xfrm>
+        </p:grpSpPr>
+        <p:sp>
+          <p:nvSpPr>
+            <p:cNvPr id="4" name="Rectangle 3">
+              <a:extLst>
+                <a:ext uri="{FF2B5EF4-FFF2-40B4-BE49-F238E27FC236}">
+                  <a16:creationId xmlns:a16="http://schemas.microsoft.com/office/drawing/2014/main" id="{7D824F0C-41EB-1B73-E561-9CE534913A2D}"/>
+                </a:ext>
+              </a:extLst>
+            </p:cNvPr>
+            <p:cNvSpPr/>
+            <p:nvPr/>
+          </p:nvSpPr>
+          <p:spPr>
+            <a:xfrm>
+              <a:off x="5311588" y="618565"/>
+              <a:ext cx="2171700" cy="235323"/>
+            </a:xfrm>
+            <a:prstGeom prst="rect">
+              <a:avLst/>
+            </a:prstGeom>
+            <a:solidFill>
+              <a:schemeClr val="accent5">
+                <a:lumMod val="20000"/>
+                <a:lumOff val="80000"/>
+              </a:schemeClr>
+            </a:solidFill>
+          </p:spPr>
+          <p:style>
+            <a:lnRef idx="2">
+              <a:schemeClr val="accent1">
+                <a:shade val="15000"/>
+              </a:schemeClr>
+            </a:lnRef>
+            <a:fillRef idx="1">
+              <a:schemeClr val="accent1"/>
+            </a:fillRef>
+            <a:effectRef idx="0">
+              <a:schemeClr val="accent1"/>
+            </a:effectRef>
+            <a:fontRef idx="minor">
+              <a:schemeClr val="lt1"/>
+            </a:fontRef>
+          </p:style>
+          <p:txBody>
+            <a:bodyPr rtlCol="0" anchor="ctr"/>
+            <a:lstStyle/>
+            <a:p>
+              <a:pPr algn="ctr"/>
+              <a:r>
+                <a:rPr lang="en-US" dirty="0">
+                  <a:solidFill>
+                    <a:schemeClr val="tx1"/>
+                  </a:solidFill>
+                </a:rPr>
+                <a:t>process</a:t>
+              </a:r>
+              <a:r>
+                <a:rPr lang="en-US">
+                  <a:solidFill>
+                    <a:schemeClr val="tx1"/>
+                  </a:solidFill>
+                </a:rPr>
+                <a:t>_fertility.</a:t>
+              </a:r>
+              <a:r>
+                <a:rPr lang="en-US" dirty="0">
+                  <a:solidFill>
+                    <a:schemeClr val="tx1"/>
+                  </a:solidFill>
+                </a:rPr>
+                <a:t>py</a:t>
+              </a:r>
+            </a:p>
+          </p:txBody>
+        </p:sp>
+        <p:sp>
+          <p:nvSpPr>
+            <p:cNvPr id="5" name="Rectangle 4">
+              <a:extLst>
+                <a:ext uri="{FF2B5EF4-FFF2-40B4-BE49-F238E27FC236}">
+                  <a16:creationId xmlns:a16="http://schemas.microsoft.com/office/drawing/2014/main" id="{AD64E0E3-4BDC-1193-BD14-1E64C5C02F7A}"/>
+                </a:ext>
+              </a:extLst>
+            </p:cNvPr>
+            <p:cNvSpPr/>
+            <p:nvPr/>
+          </p:nvSpPr>
+          <p:spPr>
+            <a:xfrm>
+              <a:off x="5311588" y="853888"/>
+              <a:ext cx="2171700" cy="235323"/>
+            </a:xfrm>
+            <a:prstGeom prst="rect">
+              <a:avLst/>
+            </a:prstGeom>
+            <a:noFill/>
+          </p:spPr>
+          <p:style>
+            <a:lnRef idx="2">
+              <a:schemeClr val="accent1">
+                <a:shade val="15000"/>
+              </a:schemeClr>
+            </a:lnRef>
+            <a:fillRef idx="1">
+              <a:schemeClr val="accent1"/>
+            </a:fillRef>
+            <a:effectRef idx="0">
+              <a:schemeClr val="accent1"/>
+            </a:effectRef>
+            <a:fontRef idx="minor">
+              <a:schemeClr val="lt1"/>
+            </a:fontRef>
+          </p:style>
+          <p:txBody>
+            <a:bodyPr rtlCol="0" anchor="ctr"/>
+            <a:lstStyle/>
+            <a:p>
+              <a:pPr algn="ctr"/>
+              <a:r>
+                <a:rPr lang="en-US" dirty="0">
+                  <a:solidFill>
+                    <a:schemeClr val="tx1"/>
+                  </a:solidFill>
+                </a:rPr>
+                <a:t>fertility_2018_2022_county</a:t>
+              </a:r>
+            </a:p>
+          </p:txBody>
+        </p:sp>
+      </p:grpSp>
+      <p:grpSp>
+        <p:nvGrpSpPr>
+          <p:cNvPr id="6" name="Group 5">
+            <a:extLst>
+              <a:ext uri="{FF2B5EF4-FFF2-40B4-BE49-F238E27FC236}">
+                <a16:creationId xmlns:a16="http://schemas.microsoft.com/office/drawing/2014/main" id="{07D348DC-78B1-5C61-F307-8CB0EEBFA016}"/>
+              </a:ext>
+            </a:extLst>
+          </p:cNvPr>
+          <p:cNvGrpSpPr>
+            <a:grpSpLocks/>
+          </p:cNvGrpSpPr>
+          <p:nvPr/>
+        </p:nvGrpSpPr>
+        <p:grpSpPr>
+          <a:xfrm>
+            <a:off x="4066723" y="4160115"/>
+            <a:ext cx="3857387" cy="578223"/>
+            <a:chOff x="5311587" y="618565"/>
+            <a:chExt cx="2171701" cy="470646"/>
+          </a:xfrm>
+        </p:grpSpPr>
+        <p:sp>
+          <p:nvSpPr>
+            <p:cNvPr id="10" name="Rectangle 9">
+              <a:extLst>
+                <a:ext uri="{FF2B5EF4-FFF2-40B4-BE49-F238E27FC236}">
+                  <a16:creationId xmlns:a16="http://schemas.microsoft.com/office/drawing/2014/main" id="{303221D5-4064-1181-3C27-69ABE9782164}"/>
+                </a:ext>
+              </a:extLst>
+            </p:cNvPr>
+            <p:cNvSpPr>
+              <a:spLocks/>
+            </p:cNvSpPr>
+            <p:nvPr/>
+          </p:nvSpPr>
+          <p:spPr>
+            <a:xfrm>
+              <a:off x="5311587" y="618565"/>
+              <a:ext cx="2171700" cy="235323"/>
+            </a:xfrm>
+            <a:prstGeom prst="rect">
+              <a:avLst/>
+            </a:prstGeom>
+            <a:solidFill>
+              <a:schemeClr val="accent3">
+                <a:lumMod val="20000"/>
+                <a:lumOff val="80000"/>
+              </a:schemeClr>
+            </a:solidFill>
+          </p:spPr>
+          <p:style>
+            <a:lnRef idx="2">
+              <a:schemeClr val="accent1">
+                <a:shade val="15000"/>
+              </a:schemeClr>
+            </a:lnRef>
+            <a:fillRef idx="1">
+              <a:schemeClr val="accent1"/>
+            </a:fillRef>
+            <a:effectRef idx="0">
+              <a:schemeClr val="accent1"/>
+            </a:effectRef>
+            <a:fontRef idx="minor">
+              <a:schemeClr val="lt1"/>
+            </a:fontRef>
+          </p:style>
+          <p:txBody>
+            <a:bodyPr rtlCol="0" anchor="ctr"/>
+            <a:lstStyle/>
+            <a:p>
+              <a:pPr algn="ctr"/>
+              <a:r>
+                <a:rPr lang="en-US" dirty="0">
+                  <a:solidFill>
+                    <a:schemeClr val="tx1"/>
+                  </a:solidFill>
+                </a:rPr>
+                <a:t>process</a:t>
+              </a:r>
+              <a:r>
+                <a:rPr lang="en-US">
+                  <a:solidFill>
+                    <a:schemeClr val="tx1"/>
+                  </a:solidFill>
+                </a:rPr>
+                <a:t>_asfr_</a:t>
+              </a:r>
+              <a:r>
+                <a:rPr lang="en-US" dirty="0">
+                  <a:solidFill>
+                    <a:schemeClr val="tx1"/>
+                  </a:solidFill>
+                </a:rPr>
+                <a:t>projected_v3.py</a:t>
+              </a:r>
+            </a:p>
+          </p:txBody>
+        </p:sp>
+        <p:sp>
+          <p:nvSpPr>
+            <p:cNvPr id="11" name="Rectangle 10">
+              <a:extLst>
+                <a:ext uri="{FF2B5EF4-FFF2-40B4-BE49-F238E27FC236}">
+                  <a16:creationId xmlns:a16="http://schemas.microsoft.com/office/drawing/2014/main" id="{12E44C31-D302-A709-1D36-BDBCF43AFE1C}"/>
+                </a:ext>
+              </a:extLst>
+            </p:cNvPr>
+            <p:cNvSpPr>
+              <a:spLocks/>
+            </p:cNvSpPr>
+            <p:nvPr/>
+          </p:nvSpPr>
+          <p:spPr>
+            <a:xfrm>
+              <a:off x="5311588" y="853888"/>
+              <a:ext cx="2171700" cy="235323"/>
+            </a:xfrm>
+            <a:prstGeom prst="rect">
+              <a:avLst/>
+            </a:prstGeom>
+            <a:noFill/>
+          </p:spPr>
+          <p:style>
+            <a:lnRef idx="2">
+              <a:schemeClr val="accent1">
+                <a:shade val="15000"/>
+              </a:schemeClr>
+            </a:lnRef>
+            <a:fillRef idx="1">
+              <a:schemeClr val="accent1"/>
+            </a:fillRef>
+            <a:effectRef idx="0">
+              <a:schemeClr val="accent1"/>
+            </a:effectRef>
+            <a:fontRef idx="minor">
+              <a:schemeClr val="lt1"/>
+            </a:fontRef>
+          </p:style>
+          <p:txBody>
+            <a:bodyPr rtlCol="0" anchor="ctr"/>
+            <a:lstStyle/>
+            <a:p>
+              <a:pPr algn="ctr"/>
+              <a:r>
+                <a:rPr lang="en-US" dirty="0">
+                  <a:solidFill>
+                    <a:schemeClr val="tx1"/>
+                  </a:solidFill>
+                </a:rPr>
+                <a:t>age_</a:t>
+              </a:r>
+              <a:r>
+                <a:rPr lang="en-US">
+                  <a:solidFill>
+                    <a:schemeClr val="tx1"/>
+                  </a:solidFill>
+                </a:rPr>
+                <a:t>specific_fertility_</a:t>
+              </a:r>
+              <a:r>
+                <a:rPr lang="en-US" dirty="0">
+                  <a:solidFill>
+                    <a:schemeClr val="tx1"/>
+                  </a:solidFill>
+                </a:rPr>
+                <a:t>v3</a:t>
+              </a:r>
+            </a:p>
+          </p:txBody>
+        </p:sp>
+      </p:grpSp>
+      <p:cxnSp>
+        <p:nvCxnSpPr>
+          <p:cNvPr id="12" name="Straight Arrow Connector 11">
+            <a:extLst>
+              <a:ext uri="{FF2B5EF4-FFF2-40B4-BE49-F238E27FC236}">
+                <a16:creationId xmlns:a16="http://schemas.microsoft.com/office/drawing/2014/main" id="{1AAE7F49-1365-0FE6-21C4-F3AD7B26E8E9}"/>
+              </a:ext>
+            </a:extLst>
+          </p:cNvPr>
+          <p:cNvCxnSpPr>
+            <a:cxnSpLocks/>
+            <a:stCxn id="10" idx="0"/>
+            <a:endCxn id="8" idx="2"/>
+          </p:cNvCxnSpPr>
+          <p:nvPr/>
+        </p:nvCxnSpPr>
+        <p:spPr>
+          <a:xfrm flipV="1">
+            <a:off x="5995416" y="3429000"/>
+            <a:ext cx="0" cy="731115"/>
+          </a:xfrm>
+          <a:prstGeom prst="straightConnector1">
+            <a:avLst/>
+          </a:prstGeom>
+          <a:ln>
+            <a:tailEnd type="triangle" w="lg" len="lg"/>
+          </a:ln>
+        </p:spPr>
+        <p:style>
+          <a:lnRef idx="2">
+            <a:schemeClr val="accent1"/>
+          </a:lnRef>
+          <a:fillRef idx="0">
+            <a:schemeClr val="accent1"/>
+          </a:fillRef>
+          <a:effectRef idx="1">
+            <a:schemeClr val="accent1"/>
+          </a:effectRef>
+          <a:fontRef idx="minor">
+            <a:schemeClr val="tx1"/>
+          </a:fontRef>
+        </p:style>
+      </p:cxnSp>
+      <p:cxnSp>
+        <p:nvCxnSpPr>
+          <p:cNvPr id="15" name="Straight Arrow Connector 14">
+            <a:extLst>
+              <a:ext uri="{FF2B5EF4-FFF2-40B4-BE49-F238E27FC236}">
+                <a16:creationId xmlns:a16="http://schemas.microsoft.com/office/drawing/2014/main" id="{5B7D16D8-2E86-5D44-5D49-DF33244E430C}"/>
+              </a:ext>
+            </a:extLst>
+          </p:cNvPr>
+          <p:cNvCxnSpPr>
+            <a:cxnSpLocks/>
+            <a:stCxn id="5" idx="2"/>
+            <a:endCxn id="8" idx="0"/>
+          </p:cNvCxnSpPr>
+          <p:nvPr/>
+        </p:nvCxnSpPr>
+        <p:spPr>
+          <a:xfrm>
+            <a:off x="5995416" y="2408773"/>
+            <a:ext cx="0" cy="731115"/>
+          </a:xfrm>
+          <a:prstGeom prst="straightConnector1">
+            <a:avLst/>
+          </a:prstGeom>
+          <a:ln>
+            <a:tailEnd type="triangle" w="lg" len="lg"/>
+          </a:ln>
+        </p:spPr>
+        <p:style>
+          <a:lnRef idx="2">
+            <a:schemeClr val="accent1"/>
+          </a:lnRef>
+          <a:fillRef idx="0">
+            <a:schemeClr val="accent1"/>
+          </a:fillRef>
+          <a:effectRef idx="1">
+            <a:schemeClr val="accent1"/>
+          </a:effectRef>
+          <a:fontRef idx="minor">
+            <a:schemeClr val="tx1"/>
+          </a:fontRef>
+        </p:style>
+      </p:cxnSp>
     </p:spTree>
     <p:extLst>
       <p:ext uri="{BB962C8B-B14F-4D97-AF65-F5344CB8AC3E}">
